--- a/file/不同精度误差统计结果.pptx
+++ b/file/不同精度误差统计结果.pptx
@@ -5,15 +5,18 @@
     <p:sldMasterId id="2147483648" r:id="rId1"/>
   </p:sldMasterIdLst>
   <p:notesMasterIdLst>
-    <p:notesMasterId r:id="rId8"/>
+    <p:notesMasterId r:id="rId11"/>
   </p:notesMasterIdLst>
   <p:sldIdLst>
     <p:sldId id="268" r:id="rId2"/>
     <p:sldId id="270" r:id="rId3"/>
     <p:sldId id="272" r:id="rId4"/>
     <p:sldId id="273" r:id="rId5"/>
-    <p:sldId id="274" r:id="rId6"/>
-    <p:sldId id="275" r:id="rId7"/>
+    <p:sldId id="277" r:id="rId6"/>
+    <p:sldId id="278" r:id="rId7"/>
+    <p:sldId id="274" r:id="rId8"/>
+    <p:sldId id="275" r:id="rId9"/>
+    <p:sldId id="276" r:id="rId10"/>
   </p:sldIdLst>
   <p:sldSz cx="12192000" cy="6858000"/>
   <p:notesSz cx="6858000" cy="9144000"/>
@@ -2482,6 +2485,1321 @@
               <c:strCache>
                 <c:ptCount val="1"/>
                 <c:pt idx="0">
+                  <c:v>0.26</c:v>
+                </c:pt>
+              </c:strCache>
+            </c:strRef>
+          </c:tx>
+          <c:spPr>
+            <a:ln w="28575" cap="rnd">
+              <a:solidFill>
+                <a:schemeClr val="accent1"/>
+              </a:solidFill>
+              <a:round/>
+            </a:ln>
+            <a:effectLst/>
+          </c:spPr>
+          <c:marker>
+            <c:symbol val="circle"/>
+            <c:size val="5"/>
+            <c:spPr>
+              <a:solidFill>
+                <a:schemeClr val="accent1"/>
+              </a:solidFill>
+              <a:ln w="9525">
+                <a:solidFill>
+                  <a:schemeClr val="accent1"/>
+                </a:solidFill>
+              </a:ln>
+              <a:effectLst/>
+            </c:spPr>
+          </c:marker>
+          <c:dLbls>
+            <c:spPr>
+              <a:noFill/>
+              <a:ln>
+                <a:noFill/>
+              </a:ln>
+              <a:effectLst/>
+            </c:spPr>
+            <c:txPr>
+              <a:bodyPr rot="0" spcFirstLastPara="1" vertOverflow="ellipsis" vert="horz" wrap="square" lIns="38100" tIns="19050" rIns="38100" bIns="19050" anchor="ctr" anchorCtr="1">
+                <a:spAutoFit/>
+              </a:bodyPr>
+              <a:lstStyle/>
+              <a:p>
+                <a:pPr>
+                  <a:defRPr sz="1197" b="0" i="0" u="none" strike="noStrike" kern="1200" baseline="0">
+                    <a:solidFill>
+                      <a:schemeClr val="tx1">
+                        <a:lumMod val="75000"/>
+                        <a:lumOff val="25000"/>
+                      </a:schemeClr>
+                    </a:solidFill>
+                    <a:latin typeface="+mn-lt"/>
+                    <a:ea typeface="+mn-ea"/>
+                    <a:cs typeface="+mn-cs"/>
+                  </a:defRPr>
+                </a:pPr>
+                <a:endParaRPr lang="zh-CN"/>
+              </a:p>
+            </c:txPr>
+            <c:dLblPos val="l"/>
+            <c:showLegendKey val="0"/>
+            <c:showVal val="1"/>
+            <c:showCatName val="0"/>
+            <c:showSerName val="0"/>
+            <c:showPercent val="0"/>
+            <c:showBubbleSize val="0"/>
+            <c:showLeaderLines val="0"/>
+            <c:extLst>
+              <c:ext xmlns:c15="http://schemas.microsoft.com/office/drawing/2012/chart" uri="{CE6537A1-D6FC-4f65-9D91-7224C49458BB}">
+                <c15:showLeaderLines val="1"/>
+                <c15:leaderLines>
+                  <c:spPr>
+                    <a:ln w="9525" cap="flat" cmpd="sng" algn="ctr">
+                      <a:solidFill>
+                        <a:schemeClr val="tx1">
+                          <a:lumMod val="35000"/>
+                          <a:lumOff val="65000"/>
+                        </a:schemeClr>
+                      </a:solidFill>
+                      <a:round/>
+                    </a:ln>
+                    <a:effectLst/>
+                  </c:spPr>
+                </c15:leaderLines>
+              </c:ext>
+            </c:extLst>
+          </c:dLbls>
+          <c:cat>
+            <c:numRef>
+              <c:f>Sheet1!$A$2:$A$12</c:f>
+              <c:numCache>
+                <c:formatCode>General</c:formatCode>
+                <c:ptCount val="11"/>
+                <c:pt idx="0">
+                  <c:v>0.5</c:v>
+                </c:pt>
+                <c:pt idx="1">
+                  <c:v>0.6</c:v>
+                </c:pt>
+                <c:pt idx="2">
+                  <c:v>0.7</c:v>
+                </c:pt>
+                <c:pt idx="3">
+                  <c:v>0.8</c:v>
+                </c:pt>
+                <c:pt idx="4">
+                  <c:v>0.9</c:v>
+                </c:pt>
+                <c:pt idx="5">
+                  <c:v>1</c:v>
+                </c:pt>
+                <c:pt idx="6">
+                  <c:v>1.1000000000000001</c:v>
+                </c:pt>
+                <c:pt idx="7">
+                  <c:v>1.2</c:v>
+                </c:pt>
+                <c:pt idx="8">
+                  <c:v>1.3</c:v>
+                </c:pt>
+                <c:pt idx="9">
+                  <c:v>1.4</c:v>
+                </c:pt>
+                <c:pt idx="10">
+                  <c:v>1.5</c:v>
+                </c:pt>
+              </c:numCache>
+            </c:numRef>
+          </c:cat>
+          <c:val>
+            <c:numRef>
+              <c:f>Sheet1!$B$2:$B$12</c:f>
+              <c:numCache>
+                <c:formatCode>General</c:formatCode>
+                <c:ptCount val="11"/>
+                <c:pt idx="0">
+                  <c:v>1511</c:v>
+                </c:pt>
+                <c:pt idx="1">
+                  <c:v>1637</c:v>
+                </c:pt>
+                <c:pt idx="2">
+                  <c:v>1723</c:v>
+                </c:pt>
+                <c:pt idx="3">
+                  <c:v>1732</c:v>
+                </c:pt>
+                <c:pt idx="4">
+                  <c:v>1758</c:v>
+                </c:pt>
+                <c:pt idx="5">
+                  <c:v>1774</c:v>
+                </c:pt>
+                <c:pt idx="6">
+                  <c:v>1766</c:v>
+                </c:pt>
+                <c:pt idx="7">
+                  <c:v>1752</c:v>
+                </c:pt>
+                <c:pt idx="8">
+                  <c:v>1742</c:v>
+                </c:pt>
+                <c:pt idx="9">
+                  <c:v>1745</c:v>
+                </c:pt>
+                <c:pt idx="10">
+                  <c:v>1726</c:v>
+                </c:pt>
+              </c:numCache>
+            </c:numRef>
+          </c:val>
+          <c:smooth val="0"/>
+          <c:extLst>
+            <c:ext xmlns:c16="http://schemas.microsoft.com/office/drawing/2014/chart" uri="{C3380CC4-5D6E-409C-BE32-E72D297353CC}">
+              <c16:uniqueId val="{00000000-0FFC-4746-AB5F-24BAF93258F4}"/>
+            </c:ext>
+          </c:extLst>
+        </c:ser>
+        <c:ser>
+          <c:idx val="1"/>
+          <c:order val="1"/>
+          <c:tx>
+            <c:strRef>
+              <c:f>Sheet1!$C$1</c:f>
+              <c:strCache>
+                <c:ptCount val="1"/>
+                <c:pt idx="0">
+                  <c:v>0.27</c:v>
+                </c:pt>
+              </c:strCache>
+            </c:strRef>
+          </c:tx>
+          <c:spPr>
+            <a:ln w="28575" cap="rnd">
+              <a:solidFill>
+                <a:schemeClr val="accent2"/>
+              </a:solidFill>
+              <a:round/>
+            </a:ln>
+            <a:effectLst/>
+          </c:spPr>
+          <c:marker>
+            <c:symbol val="circle"/>
+            <c:size val="5"/>
+            <c:spPr>
+              <a:solidFill>
+                <a:schemeClr val="accent2"/>
+              </a:solidFill>
+              <a:ln w="9525">
+                <a:solidFill>
+                  <a:schemeClr val="accent2"/>
+                </a:solidFill>
+              </a:ln>
+              <a:effectLst/>
+            </c:spPr>
+          </c:marker>
+          <c:dLbls>
+            <c:spPr>
+              <a:noFill/>
+              <a:ln>
+                <a:noFill/>
+              </a:ln>
+              <a:effectLst/>
+            </c:spPr>
+            <c:txPr>
+              <a:bodyPr rot="0" spcFirstLastPara="1" vertOverflow="ellipsis" vert="horz" wrap="square" lIns="38100" tIns="19050" rIns="38100" bIns="19050" anchor="ctr" anchorCtr="1">
+                <a:spAutoFit/>
+              </a:bodyPr>
+              <a:lstStyle/>
+              <a:p>
+                <a:pPr>
+                  <a:defRPr sz="1197" b="0" i="0" u="none" strike="noStrike" kern="1200" baseline="0">
+                    <a:solidFill>
+                      <a:schemeClr val="tx1">
+                        <a:lumMod val="75000"/>
+                        <a:lumOff val="25000"/>
+                      </a:schemeClr>
+                    </a:solidFill>
+                    <a:latin typeface="+mn-lt"/>
+                    <a:ea typeface="+mn-ea"/>
+                    <a:cs typeface="+mn-cs"/>
+                  </a:defRPr>
+                </a:pPr>
+                <a:endParaRPr lang="zh-CN"/>
+              </a:p>
+            </c:txPr>
+            <c:dLblPos val="l"/>
+            <c:showLegendKey val="0"/>
+            <c:showVal val="1"/>
+            <c:showCatName val="0"/>
+            <c:showSerName val="0"/>
+            <c:showPercent val="0"/>
+            <c:showBubbleSize val="0"/>
+            <c:showLeaderLines val="0"/>
+            <c:extLst>
+              <c:ext xmlns:c15="http://schemas.microsoft.com/office/drawing/2012/chart" uri="{CE6537A1-D6FC-4f65-9D91-7224C49458BB}">
+                <c15:showLeaderLines val="1"/>
+                <c15:leaderLines>
+                  <c:spPr>
+                    <a:ln w="9525" cap="flat" cmpd="sng" algn="ctr">
+                      <a:solidFill>
+                        <a:schemeClr val="tx1">
+                          <a:lumMod val="35000"/>
+                          <a:lumOff val="65000"/>
+                        </a:schemeClr>
+                      </a:solidFill>
+                      <a:round/>
+                    </a:ln>
+                    <a:effectLst/>
+                  </c:spPr>
+                </c15:leaderLines>
+              </c:ext>
+            </c:extLst>
+          </c:dLbls>
+          <c:cat>
+            <c:numRef>
+              <c:f>Sheet1!$A$2:$A$12</c:f>
+              <c:numCache>
+                <c:formatCode>General</c:formatCode>
+                <c:ptCount val="11"/>
+                <c:pt idx="0">
+                  <c:v>0.5</c:v>
+                </c:pt>
+                <c:pt idx="1">
+                  <c:v>0.6</c:v>
+                </c:pt>
+                <c:pt idx="2">
+                  <c:v>0.7</c:v>
+                </c:pt>
+                <c:pt idx="3">
+                  <c:v>0.8</c:v>
+                </c:pt>
+                <c:pt idx="4">
+                  <c:v>0.9</c:v>
+                </c:pt>
+                <c:pt idx="5">
+                  <c:v>1</c:v>
+                </c:pt>
+                <c:pt idx="6">
+                  <c:v>1.1000000000000001</c:v>
+                </c:pt>
+                <c:pt idx="7">
+                  <c:v>1.2</c:v>
+                </c:pt>
+                <c:pt idx="8">
+                  <c:v>1.3</c:v>
+                </c:pt>
+                <c:pt idx="9">
+                  <c:v>1.4</c:v>
+                </c:pt>
+                <c:pt idx="10">
+                  <c:v>1.5</c:v>
+                </c:pt>
+              </c:numCache>
+            </c:numRef>
+          </c:cat>
+          <c:val>
+            <c:numRef>
+              <c:f>Sheet1!$C$2:$C$12</c:f>
+              <c:numCache>
+                <c:formatCode>General</c:formatCode>
+                <c:ptCount val="11"/>
+                <c:pt idx="0">
+                  <c:v>1586</c:v>
+                </c:pt>
+                <c:pt idx="1">
+                  <c:v>1703</c:v>
+                </c:pt>
+                <c:pt idx="2">
+                  <c:v>1783</c:v>
+                </c:pt>
+                <c:pt idx="3">
+                  <c:v>1795</c:v>
+                </c:pt>
+                <c:pt idx="4">
+                  <c:v>1825</c:v>
+                </c:pt>
+                <c:pt idx="5">
+                  <c:v>1832</c:v>
+                </c:pt>
+                <c:pt idx="6">
+                  <c:v>1831</c:v>
+                </c:pt>
+                <c:pt idx="7">
+                  <c:v>1817</c:v>
+                </c:pt>
+                <c:pt idx="8">
+                  <c:v>1804</c:v>
+                </c:pt>
+                <c:pt idx="9">
+                  <c:v>1805</c:v>
+                </c:pt>
+                <c:pt idx="10">
+                  <c:v>1792</c:v>
+                </c:pt>
+              </c:numCache>
+            </c:numRef>
+          </c:val>
+          <c:smooth val="0"/>
+          <c:extLst>
+            <c:ext xmlns:c16="http://schemas.microsoft.com/office/drawing/2014/chart" uri="{C3380CC4-5D6E-409C-BE32-E72D297353CC}">
+              <c16:uniqueId val="{00000001-0FFC-4746-AB5F-24BAF93258F4}"/>
+            </c:ext>
+          </c:extLst>
+        </c:ser>
+        <c:ser>
+          <c:idx val="2"/>
+          <c:order val="2"/>
+          <c:tx>
+            <c:strRef>
+              <c:f>Sheet1!$D$1</c:f>
+              <c:strCache>
+                <c:ptCount val="1"/>
+                <c:pt idx="0">
+                  <c:v>0.28</c:v>
+                </c:pt>
+              </c:strCache>
+            </c:strRef>
+          </c:tx>
+          <c:spPr>
+            <a:ln w="28575" cap="rnd">
+              <a:solidFill>
+                <a:schemeClr val="accent3"/>
+              </a:solidFill>
+              <a:round/>
+            </a:ln>
+            <a:effectLst/>
+          </c:spPr>
+          <c:marker>
+            <c:symbol val="circle"/>
+            <c:size val="5"/>
+            <c:spPr>
+              <a:solidFill>
+                <a:schemeClr val="accent3"/>
+              </a:solidFill>
+              <a:ln w="9525">
+                <a:solidFill>
+                  <a:schemeClr val="accent3"/>
+                </a:solidFill>
+              </a:ln>
+              <a:effectLst/>
+            </c:spPr>
+          </c:marker>
+          <c:dLbls>
+            <c:spPr>
+              <a:noFill/>
+              <a:ln>
+                <a:noFill/>
+              </a:ln>
+              <a:effectLst/>
+            </c:spPr>
+            <c:txPr>
+              <a:bodyPr rot="0" spcFirstLastPara="1" vertOverflow="ellipsis" vert="horz" wrap="square" lIns="38100" tIns="19050" rIns="38100" bIns="19050" anchor="ctr" anchorCtr="1">
+                <a:spAutoFit/>
+              </a:bodyPr>
+              <a:lstStyle/>
+              <a:p>
+                <a:pPr>
+                  <a:defRPr sz="1197" b="0" i="0" u="none" strike="noStrike" kern="1200" baseline="0">
+                    <a:solidFill>
+                      <a:schemeClr val="tx1">
+                        <a:lumMod val="75000"/>
+                        <a:lumOff val="25000"/>
+                      </a:schemeClr>
+                    </a:solidFill>
+                    <a:latin typeface="+mn-lt"/>
+                    <a:ea typeface="+mn-ea"/>
+                    <a:cs typeface="+mn-cs"/>
+                  </a:defRPr>
+                </a:pPr>
+                <a:endParaRPr lang="zh-CN"/>
+              </a:p>
+            </c:txPr>
+            <c:dLblPos val="l"/>
+            <c:showLegendKey val="0"/>
+            <c:showVal val="1"/>
+            <c:showCatName val="0"/>
+            <c:showSerName val="0"/>
+            <c:showPercent val="0"/>
+            <c:showBubbleSize val="0"/>
+            <c:showLeaderLines val="0"/>
+            <c:extLst>
+              <c:ext xmlns:c15="http://schemas.microsoft.com/office/drawing/2012/chart" uri="{CE6537A1-D6FC-4f65-9D91-7224C49458BB}">
+                <c15:showLeaderLines val="1"/>
+                <c15:leaderLines>
+                  <c:spPr>
+                    <a:ln w="9525" cap="flat" cmpd="sng" algn="ctr">
+                      <a:solidFill>
+                        <a:schemeClr val="tx1">
+                          <a:lumMod val="35000"/>
+                          <a:lumOff val="65000"/>
+                        </a:schemeClr>
+                      </a:solidFill>
+                      <a:round/>
+                    </a:ln>
+                    <a:effectLst/>
+                  </c:spPr>
+                </c15:leaderLines>
+              </c:ext>
+            </c:extLst>
+          </c:dLbls>
+          <c:cat>
+            <c:numRef>
+              <c:f>Sheet1!$A$2:$A$12</c:f>
+              <c:numCache>
+                <c:formatCode>General</c:formatCode>
+                <c:ptCount val="11"/>
+                <c:pt idx="0">
+                  <c:v>0.5</c:v>
+                </c:pt>
+                <c:pt idx="1">
+                  <c:v>0.6</c:v>
+                </c:pt>
+                <c:pt idx="2">
+                  <c:v>0.7</c:v>
+                </c:pt>
+                <c:pt idx="3">
+                  <c:v>0.8</c:v>
+                </c:pt>
+                <c:pt idx="4">
+                  <c:v>0.9</c:v>
+                </c:pt>
+                <c:pt idx="5">
+                  <c:v>1</c:v>
+                </c:pt>
+                <c:pt idx="6">
+                  <c:v>1.1000000000000001</c:v>
+                </c:pt>
+                <c:pt idx="7">
+                  <c:v>1.2</c:v>
+                </c:pt>
+                <c:pt idx="8">
+                  <c:v>1.3</c:v>
+                </c:pt>
+                <c:pt idx="9">
+                  <c:v>1.4</c:v>
+                </c:pt>
+                <c:pt idx="10">
+                  <c:v>1.5</c:v>
+                </c:pt>
+              </c:numCache>
+            </c:numRef>
+          </c:cat>
+          <c:val>
+            <c:numRef>
+              <c:f>Sheet1!$D$2:$D$12</c:f>
+              <c:numCache>
+                <c:formatCode>General</c:formatCode>
+                <c:ptCount val="11"/>
+                <c:pt idx="0">
+                  <c:v>1669</c:v>
+                </c:pt>
+                <c:pt idx="1">
+                  <c:v>1782</c:v>
+                </c:pt>
+                <c:pt idx="2">
+                  <c:v>1857</c:v>
+                </c:pt>
+                <c:pt idx="3">
+                  <c:v>1866</c:v>
+                </c:pt>
+                <c:pt idx="4">
+                  <c:v>1887</c:v>
+                </c:pt>
+                <c:pt idx="5">
+                  <c:v>1887</c:v>
+                </c:pt>
+                <c:pt idx="6">
+                  <c:v>1880</c:v>
+                </c:pt>
+                <c:pt idx="7">
+                  <c:v>1870</c:v>
+                </c:pt>
+                <c:pt idx="8">
+                  <c:v>1861</c:v>
+                </c:pt>
+                <c:pt idx="9">
+                  <c:v>1865</c:v>
+                </c:pt>
+                <c:pt idx="10">
+                  <c:v>1854</c:v>
+                </c:pt>
+              </c:numCache>
+            </c:numRef>
+          </c:val>
+          <c:smooth val="0"/>
+          <c:extLst>
+            <c:ext xmlns:c16="http://schemas.microsoft.com/office/drawing/2014/chart" uri="{C3380CC4-5D6E-409C-BE32-E72D297353CC}">
+              <c16:uniqueId val="{00000000-6351-4163-92EB-BD8394FCD472}"/>
+            </c:ext>
+          </c:extLst>
+        </c:ser>
+        <c:ser>
+          <c:idx val="3"/>
+          <c:order val="3"/>
+          <c:tx>
+            <c:strRef>
+              <c:f>Sheet1!$E$1</c:f>
+              <c:strCache>
+                <c:ptCount val="1"/>
+                <c:pt idx="0">
+                  <c:v>0.29</c:v>
+                </c:pt>
+              </c:strCache>
+            </c:strRef>
+          </c:tx>
+          <c:spPr>
+            <a:ln w="28575" cap="rnd">
+              <a:solidFill>
+                <a:schemeClr val="accent4"/>
+              </a:solidFill>
+              <a:round/>
+            </a:ln>
+            <a:effectLst/>
+          </c:spPr>
+          <c:marker>
+            <c:symbol val="circle"/>
+            <c:size val="5"/>
+            <c:spPr>
+              <a:solidFill>
+                <a:schemeClr val="accent4"/>
+              </a:solidFill>
+              <a:ln w="9525">
+                <a:solidFill>
+                  <a:schemeClr val="accent4"/>
+                </a:solidFill>
+              </a:ln>
+              <a:effectLst/>
+            </c:spPr>
+          </c:marker>
+          <c:dLbls>
+            <c:spPr>
+              <a:noFill/>
+              <a:ln>
+                <a:noFill/>
+              </a:ln>
+              <a:effectLst/>
+            </c:spPr>
+            <c:txPr>
+              <a:bodyPr rot="0" spcFirstLastPara="1" vertOverflow="ellipsis" vert="horz" wrap="square" lIns="38100" tIns="19050" rIns="38100" bIns="19050" anchor="ctr" anchorCtr="1">
+                <a:spAutoFit/>
+              </a:bodyPr>
+              <a:lstStyle/>
+              <a:p>
+                <a:pPr>
+                  <a:defRPr sz="1197" b="0" i="0" u="none" strike="noStrike" kern="1200" baseline="0">
+                    <a:solidFill>
+                      <a:schemeClr val="tx1">
+                        <a:lumMod val="75000"/>
+                        <a:lumOff val="25000"/>
+                      </a:schemeClr>
+                    </a:solidFill>
+                    <a:latin typeface="+mn-lt"/>
+                    <a:ea typeface="+mn-ea"/>
+                    <a:cs typeface="+mn-cs"/>
+                  </a:defRPr>
+                </a:pPr>
+                <a:endParaRPr lang="zh-CN"/>
+              </a:p>
+            </c:txPr>
+            <c:dLblPos val="l"/>
+            <c:showLegendKey val="0"/>
+            <c:showVal val="1"/>
+            <c:showCatName val="0"/>
+            <c:showSerName val="0"/>
+            <c:showPercent val="0"/>
+            <c:showBubbleSize val="0"/>
+            <c:showLeaderLines val="0"/>
+            <c:extLst>
+              <c:ext xmlns:c15="http://schemas.microsoft.com/office/drawing/2012/chart" uri="{CE6537A1-D6FC-4f65-9D91-7224C49458BB}">
+                <c15:showLeaderLines val="1"/>
+                <c15:leaderLines>
+                  <c:spPr>
+                    <a:ln w="9525" cap="flat" cmpd="sng" algn="ctr">
+                      <a:solidFill>
+                        <a:schemeClr val="tx1">
+                          <a:lumMod val="35000"/>
+                          <a:lumOff val="65000"/>
+                        </a:schemeClr>
+                      </a:solidFill>
+                      <a:round/>
+                    </a:ln>
+                    <a:effectLst/>
+                  </c:spPr>
+                </c15:leaderLines>
+              </c:ext>
+            </c:extLst>
+          </c:dLbls>
+          <c:cat>
+            <c:numRef>
+              <c:f>Sheet1!$A$2:$A$12</c:f>
+              <c:numCache>
+                <c:formatCode>General</c:formatCode>
+                <c:ptCount val="11"/>
+                <c:pt idx="0">
+                  <c:v>0.5</c:v>
+                </c:pt>
+                <c:pt idx="1">
+                  <c:v>0.6</c:v>
+                </c:pt>
+                <c:pt idx="2">
+                  <c:v>0.7</c:v>
+                </c:pt>
+                <c:pt idx="3">
+                  <c:v>0.8</c:v>
+                </c:pt>
+                <c:pt idx="4">
+                  <c:v>0.9</c:v>
+                </c:pt>
+                <c:pt idx="5">
+                  <c:v>1</c:v>
+                </c:pt>
+                <c:pt idx="6">
+                  <c:v>1.1000000000000001</c:v>
+                </c:pt>
+                <c:pt idx="7">
+                  <c:v>1.2</c:v>
+                </c:pt>
+                <c:pt idx="8">
+                  <c:v>1.3</c:v>
+                </c:pt>
+                <c:pt idx="9">
+                  <c:v>1.4</c:v>
+                </c:pt>
+                <c:pt idx="10">
+                  <c:v>1.5</c:v>
+                </c:pt>
+              </c:numCache>
+            </c:numRef>
+          </c:cat>
+          <c:val>
+            <c:numRef>
+              <c:f>Sheet1!$E$2:$E$12</c:f>
+              <c:numCache>
+                <c:formatCode>General</c:formatCode>
+                <c:ptCount val="11"/>
+                <c:pt idx="0">
+                  <c:v>1728</c:v>
+                </c:pt>
+                <c:pt idx="1">
+                  <c:v>1829</c:v>
+                </c:pt>
+                <c:pt idx="2">
+                  <c:v>1892</c:v>
+                </c:pt>
+                <c:pt idx="3">
+                  <c:v>1903</c:v>
+                </c:pt>
+                <c:pt idx="4">
+                  <c:v>1917</c:v>
+                </c:pt>
+                <c:pt idx="5">
+                  <c:v>1916</c:v>
+                </c:pt>
+                <c:pt idx="6">
+                  <c:v>1915</c:v>
+                </c:pt>
+                <c:pt idx="7">
+                  <c:v>1903</c:v>
+                </c:pt>
+                <c:pt idx="8">
+                  <c:v>1895</c:v>
+                </c:pt>
+                <c:pt idx="9">
+                  <c:v>1899</c:v>
+                </c:pt>
+                <c:pt idx="10">
+                  <c:v>1888</c:v>
+                </c:pt>
+              </c:numCache>
+            </c:numRef>
+          </c:val>
+          <c:smooth val="0"/>
+          <c:extLst>
+            <c:ext xmlns:c16="http://schemas.microsoft.com/office/drawing/2014/chart" uri="{C3380CC4-5D6E-409C-BE32-E72D297353CC}">
+              <c16:uniqueId val="{00000001-6351-4163-92EB-BD8394FCD472}"/>
+            </c:ext>
+          </c:extLst>
+        </c:ser>
+        <c:ser>
+          <c:idx val="4"/>
+          <c:order val="4"/>
+          <c:tx>
+            <c:strRef>
+              <c:f>Sheet1!$F$1</c:f>
+              <c:strCache>
+                <c:ptCount val="1"/>
+                <c:pt idx="0">
+                  <c:v>0.3</c:v>
+                </c:pt>
+              </c:strCache>
+            </c:strRef>
+          </c:tx>
+          <c:spPr>
+            <a:ln w="28575" cap="rnd">
+              <a:solidFill>
+                <a:schemeClr val="accent5"/>
+              </a:solidFill>
+              <a:round/>
+            </a:ln>
+            <a:effectLst/>
+          </c:spPr>
+          <c:marker>
+            <c:symbol val="circle"/>
+            <c:size val="5"/>
+            <c:spPr>
+              <a:solidFill>
+                <a:schemeClr val="accent5"/>
+              </a:solidFill>
+              <a:ln w="9525">
+                <a:solidFill>
+                  <a:schemeClr val="accent5"/>
+                </a:solidFill>
+              </a:ln>
+              <a:effectLst/>
+            </c:spPr>
+          </c:marker>
+          <c:dLbls>
+            <c:spPr>
+              <a:noFill/>
+              <a:ln>
+                <a:noFill/>
+              </a:ln>
+              <a:effectLst/>
+            </c:spPr>
+            <c:txPr>
+              <a:bodyPr rot="0" spcFirstLastPara="1" vertOverflow="ellipsis" vert="horz" wrap="square" lIns="38100" tIns="19050" rIns="38100" bIns="19050" anchor="ctr" anchorCtr="1">
+                <a:spAutoFit/>
+              </a:bodyPr>
+              <a:lstStyle/>
+              <a:p>
+                <a:pPr>
+                  <a:defRPr sz="1197" b="0" i="0" u="none" strike="noStrike" kern="1200" baseline="0">
+                    <a:solidFill>
+                      <a:schemeClr val="tx1">
+                        <a:lumMod val="75000"/>
+                        <a:lumOff val="25000"/>
+                      </a:schemeClr>
+                    </a:solidFill>
+                    <a:latin typeface="+mn-lt"/>
+                    <a:ea typeface="+mn-ea"/>
+                    <a:cs typeface="+mn-cs"/>
+                  </a:defRPr>
+                </a:pPr>
+                <a:endParaRPr lang="zh-CN"/>
+              </a:p>
+            </c:txPr>
+            <c:dLblPos val="l"/>
+            <c:showLegendKey val="0"/>
+            <c:showVal val="1"/>
+            <c:showCatName val="0"/>
+            <c:showSerName val="0"/>
+            <c:showPercent val="0"/>
+            <c:showBubbleSize val="0"/>
+            <c:showLeaderLines val="0"/>
+            <c:extLst>
+              <c:ext xmlns:c15="http://schemas.microsoft.com/office/drawing/2012/chart" uri="{CE6537A1-D6FC-4f65-9D91-7224C49458BB}">
+                <c15:showLeaderLines val="1"/>
+                <c15:leaderLines>
+                  <c:spPr>
+                    <a:ln w="9525" cap="flat" cmpd="sng" algn="ctr">
+                      <a:solidFill>
+                        <a:schemeClr val="tx1">
+                          <a:lumMod val="35000"/>
+                          <a:lumOff val="65000"/>
+                        </a:schemeClr>
+                      </a:solidFill>
+                      <a:round/>
+                    </a:ln>
+                    <a:effectLst/>
+                  </c:spPr>
+                </c15:leaderLines>
+              </c:ext>
+            </c:extLst>
+          </c:dLbls>
+          <c:cat>
+            <c:numRef>
+              <c:f>Sheet1!$A$2:$A$12</c:f>
+              <c:numCache>
+                <c:formatCode>General</c:formatCode>
+                <c:ptCount val="11"/>
+                <c:pt idx="0">
+                  <c:v>0.5</c:v>
+                </c:pt>
+                <c:pt idx="1">
+                  <c:v>0.6</c:v>
+                </c:pt>
+                <c:pt idx="2">
+                  <c:v>0.7</c:v>
+                </c:pt>
+                <c:pt idx="3">
+                  <c:v>0.8</c:v>
+                </c:pt>
+                <c:pt idx="4">
+                  <c:v>0.9</c:v>
+                </c:pt>
+                <c:pt idx="5">
+                  <c:v>1</c:v>
+                </c:pt>
+                <c:pt idx="6">
+                  <c:v>1.1000000000000001</c:v>
+                </c:pt>
+                <c:pt idx="7">
+                  <c:v>1.2</c:v>
+                </c:pt>
+                <c:pt idx="8">
+                  <c:v>1.3</c:v>
+                </c:pt>
+                <c:pt idx="9">
+                  <c:v>1.4</c:v>
+                </c:pt>
+                <c:pt idx="10">
+                  <c:v>1.5</c:v>
+                </c:pt>
+              </c:numCache>
+            </c:numRef>
+          </c:cat>
+          <c:val>
+            <c:numRef>
+              <c:f>Sheet1!$F$2:$F$12</c:f>
+              <c:numCache>
+                <c:formatCode>General</c:formatCode>
+                <c:ptCount val="11"/>
+                <c:pt idx="0">
+                  <c:v>1798</c:v>
+                </c:pt>
+                <c:pt idx="1">
+                  <c:v>1882</c:v>
+                </c:pt>
+                <c:pt idx="2">
+                  <c:v>1929</c:v>
+                </c:pt>
+                <c:pt idx="3">
+                  <c:v>1931</c:v>
+                </c:pt>
+                <c:pt idx="4">
+                  <c:v>1940</c:v>
+                </c:pt>
+                <c:pt idx="5">
+                  <c:v>1936</c:v>
+                </c:pt>
+                <c:pt idx="6">
+                  <c:v>1938</c:v>
+                </c:pt>
+                <c:pt idx="7">
+                  <c:v>1924</c:v>
+                </c:pt>
+                <c:pt idx="8">
+                  <c:v>1921</c:v>
+                </c:pt>
+                <c:pt idx="9">
+                  <c:v>1925</c:v>
+                </c:pt>
+                <c:pt idx="10">
+                  <c:v>1919</c:v>
+                </c:pt>
+              </c:numCache>
+            </c:numRef>
+          </c:val>
+          <c:smooth val="0"/>
+          <c:extLst>
+            <c:ext xmlns:c16="http://schemas.microsoft.com/office/drawing/2014/chart" uri="{C3380CC4-5D6E-409C-BE32-E72D297353CC}">
+              <c16:uniqueId val="{00000000-B0EA-45BD-88A9-8480B0489164}"/>
+            </c:ext>
+          </c:extLst>
+        </c:ser>
+        <c:dLbls>
+          <c:dLblPos val="t"/>
+          <c:showLegendKey val="0"/>
+          <c:showVal val="1"/>
+          <c:showCatName val="0"/>
+          <c:showSerName val="0"/>
+          <c:showPercent val="0"/>
+          <c:showBubbleSize val="0"/>
+        </c:dLbls>
+        <c:marker val="1"/>
+        <c:smooth val="0"/>
+        <c:axId val="1810908416"/>
+        <c:axId val="1802949168"/>
+      </c:lineChart>
+      <c:catAx>
+        <c:axId val="1810908416"/>
+        <c:scaling>
+          <c:orientation val="minMax"/>
+        </c:scaling>
+        <c:delete val="0"/>
+        <c:axPos val="b"/>
+        <c:title>
+          <c:tx>
+            <c:rich>
+              <a:bodyPr rot="0" spcFirstLastPara="1" vertOverflow="ellipsis" vert="horz" wrap="square" anchor="ctr" anchorCtr="1"/>
+              <a:lstStyle/>
+              <a:p>
+                <a:pPr>
+                  <a:defRPr sz="1330" b="0" i="0" u="none" strike="noStrike" kern="1200" baseline="0">
+                    <a:solidFill>
+                      <a:schemeClr val="tx1">
+                        <a:lumMod val="65000"/>
+                        <a:lumOff val="35000"/>
+                      </a:schemeClr>
+                    </a:solidFill>
+                    <a:latin typeface="+mn-lt"/>
+                    <a:ea typeface="+mn-ea"/>
+                    <a:cs typeface="+mn-cs"/>
+                  </a:defRPr>
+                </a:pPr>
+                <a:r>
+                  <a:rPr lang="zh-CN" altLang="en-US" dirty="0"/>
+                  <a:t>图片比例</a:t>
+                </a:r>
+              </a:p>
+            </c:rich>
+          </c:tx>
+          <c:overlay val="0"/>
+          <c:spPr>
+            <a:noFill/>
+            <a:ln>
+              <a:noFill/>
+            </a:ln>
+            <a:effectLst/>
+          </c:spPr>
+          <c:txPr>
+            <a:bodyPr rot="0" spcFirstLastPara="1" vertOverflow="ellipsis" vert="horz" wrap="square" anchor="ctr" anchorCtr="1"/>
+            <a:lstStyle/>
+            <a:p>
+              <a:pPr>
+                <a:defRPr sz="1330" b="0" i="0" u="none" strike="noStrike" kern="1200" baseline="0">
+                  <a:solidFill>
+                    <a:schemeClr val="tx1">
+                      <a:lumMod val="65000"/>
+                      <a:lumOff val="35000"/>
+                    </a:schemeClr>
+                  </a:solidFill>
+                  <a:latin typeface="+mn-lt"/>
+                  <a:ea typeface="+mn-ea"/>
+                  <a:cs typeface="+mn-cs"/>
+                </a:defRPr>
+              </a:pPr>
+              <a:endParaRPr lang="zh-CN"/>
+            </a:p>
+          </c:txPr>
+        </c:title>
+        <c:numFmt formatCode="General" sourceLinked="1"/>
+        <c:majorTickMark val="none"/>
+        <c:minorTickMark val="none"/>
+        <c:tickLblPos val="nextTo"/>
+        <c:spPr>
+          <a:noFill/>
+          <a:ln w="9525" cap="flat" cmpd="sng" algn="ctr">
+            <a:solidFill>
+              <a:schemeClr val="tx1">
+                <a:lumMod val="15000"/>
+                <a:lumOff val="85000"/>
+              </a:schemeClr>
+            </a:solidFill>
+            <a:round/>
+          </a:ln>
+          <a:effectLst/>
+        </c:spPr>
+        <c:txPr>
+          <a:bodyPr rot="-60000000" spcFirstLastPara="1" vertOverflow="ellipsis" vert="horz" wrap="square" anchor="ctr" anchorCtr="1"/>
+          <a:lstStyle/>
+          <a:p>
+            <a:pPr>
+              <a:defRPr sz="1197" b="0" i="0" u="none" strike="noStrike" kern="1200" baseline="0">
+                <a:solidFill>
+                  <a:schemeClr val="tx1">
+                    <a:lumMod val="65000"/>
+                    <a:lumOff val="35000"/>
+                  </a:schemeClr>
+                </a:solidFill>
+                <a:latin typeface="+mn-lt"/>
+                <a:ea typeface="+mn-ea"/>
+                <a:cs typeface="+mn-cs"/>
+              </a:defRPr>
+            </a:pPr>
+            <a:endParaRPr lang="zh-CN"/>
+          </a:p>
+        </c:txPr>
+        <c:crossAx val="1802949168"/>
+        <c:crosses val="autoZero"/>
+        <c:auto val="1"/>
+        <c:lblAlgn val="ctr"/>
+        <c:lblOffset val="100"/>
+        <c:noMultiLvlLbl val="0"/>
+      </c:catAx>
+      <c:valAx>
+        <c:axId val="1802949168"/>
+        <c:scaling>
+          <c:orientation val="minMax"/>
+          <c:min val="1400"/>
+        </c:scaling>
+        <c:delete val="0"/>
+        <c:axPos val="l"/>
+        <c:majorGridlines>
+          <c:spPr>
+            <a:ln w="9525" cap="flat" cmpd="sng" algn="ctr">
+              <a:solidFill>
+                <a:schemeClr val="tx1">
+                  <a:lumMod val="15000"/>
+                  <a:lumOff val="85000"/>
+                </a:schemeClr>
+              </a:solidFill>
+              <a:round/>
+            </a:ln>
+            <a:effectLst/>
+          </c:spPr>
+        </c:majorGridlines>
+        <c:title>
+          <c:tx>
+            <c:rich>
+              <a:bodyPr rot="-5400000" spcFirstLastPara="1" vertOverflow="ellipsis" vert="horz" wrap="square" anchor="ctr" anchorCtr="1"/>
+              <a:lstStyle/>
+              <a:p>
+                <a:pPr>
+                  <a:defRPr sz="1330" b="0" i="0" u="none" strike="noStrike" kern="1200" baseline="0">
+                    <a:solidFill>
+                      <a:schemeClr val="tx1">
+                        <a:lumMod val="65000"/>
+                        <a:lumOff val="35000"/>
+                      </a:schemeClr>
+                    </a:solidFill>
+                    <a:latin typeface="+mn-lt"/>
+                    <a:ea typeface="+mn-ea"/>
+                    <a:cs typeface="+mn-cs"/>
+                  </a:defRPr>
+                </a:pPr>
+                <a:r>
+                  <a:rPr lang="zh-CN" altLang="en-US" dirty="0"/>
+                  <a:t>准确数</a:t>
+                </a:r>
+              </a:p>
+            </c:rich>
+          </c:tx>
+          <c:overlay val="0"/>
+          <c:spPr>
+            <a:noFill/>
+            <a:ln>
+              <a:noFill/>
+            </a:ln>
+            <a:effectLst/>
+          </c:spPr>
+          <c:txPr>
+            <a:bodyPr rot="-5400000" spcFirstLastPara="1" vertOverflow="ellipsis" vert="horz" wrap="square" anchor="ctr" anchorCtr="1"/>
+            <a:lstStyle/>
+            <a:p>
+              <a:pPr>
+                <a:defRPr sz="1330" b="0" i="0" u="none" strike="noStrike" kern="1200" baseline="0">
+                  <a:solidFill>
+                    <a:schemeClr val="tx1">
+                      <a:lumMod val="65000"/>
+                      <a:lumOff val="35000"/>
+                    </a:schemeClr>
+                  </a:solidFill>
+                  <a:latin typeface="+mn-lt"/>
+                  <a:ea typeface="+mn-ea"/>
+                  <a:cs typeface="+mn-cs"/>
+                </a:defRPr>
+              </a:pPr>
+              <a:endParaRPr lang="zh-CN"/>
+            </a:p>
+          </c:txPr>
+        </c:title>
+        <c:numFmt formatCode="General" sourceLinked="1"/>
+        <c:majorTickMark val="none"/>
+        <c:minorTickMark val="none"/>
+        <c:tickLblPos val="nextTo"/>
+        <c:spPr>
+          <a:noFill/>
+          <a:ln>
+            <a:noFill/>
+          </a:ln>
+          <a:effectLst/>
+        </c:spPr>
+        <c:txPr>
+          <a:bodyPr rot="-60000000" spcFirstLastPara="1" vertOverflow="ellipsis" vert="horz" wrap="square" anchor="ctr" anchorCtr="1"/>
+          <a:lstStyle/>
+          <a:p>
+            <a:pPr>
+              <a:defRPr sz="1197" b="0" i="0" u="none" strike="noStrike" kern="1200" baseline="0">
+                <a:solidFill>
+                  <a:schemeClr val="tx1">
+                    <a:lumMod val="65000"/>
+                    <a:lumOff val="35000"/>
+                  </a:schemeClr>
+                </a:solidFill>
+                <a:latin typeface="+mn-lt"/>
+                <a:ea typeface="+mn-ea"/>
+                <a:cs typeface="+mn-cs"/>
+              </a:defRPr>
+            </a:pPr>
+            <a:endParaRPr lang="zh-CN"/>
+          </a:p>
+        </c:txPr>
+        <c:crossAx val="1810908416"/>
+        <c:crosses val="autoZero"/>
+        <c:crossBetween val="between"/>
+      </c:valAx>
+      <c:spPr>
+        <a:noFill/>
+        <a:ln>
+          <a:noFill/>
+        </a:ln>
+        <a:effectLst/>
+      </c:spPr>
+    </c:plotArea>
+    <c:legend>
+      <c:legendPos val="b"/>
+      <c:overlay val="0"/>
+      <c:spPr>
+        <a:noFill/>
+        <a:ln>
+          <a:noFill/>
+        </a:ln>
+        <a:effectLst/>
+      </c:spPr>
+      <c:txPr>
+        <a:bodyPr rot="0" spcFirstLastPara="1" vertOverflow="ellipsis" vert="horz" wrap="square" anchor="ctr" anchorCtr="1"/>
+        <a:lstStyle/>
+        <a:p>
+          <a:pPr>
+            <a:defRPr sz="1197" b="0" i="0" u="none" strike="noStrike" kern="1200" baseline="0">
+              <a:solidFill>
+                <a:schemeClr val="tx1">
+                  <a:lumMod val="65000"/>
+                  <a:lumOff val="35000"/>
+                </a:schemeClr>
+              </a:solidFill>
+              <a:latin typeface="+mn-lt"/>
+              <a:ea typeface="+mn-ea"/>
+              <a:cs typeface="+mn-cs"/>
+            </a:defRPr>
+          </a:pPr>
+          <a:endParaRPr lang="zh-CN"/>
+        </a:p>
+      </c:txPr>
+    </c:legend>
+    <c:plotVisOnly val="1"/>
+    <c:dispBlanksAs val="gap"/>
+    <c:extLst>
+      <c:ext xmlns:c16r3="http://schemas.microsoft.com/office/drawing/2017/03/chart" uri="{56B9EC1D-385E-4148-901F-78D8002777C0}">
+        <c16r3:dataDisplayOptions16>
+          <c16r3:dispNaAsBlank val="1"/>
+        </c16r3:dataDisplayOptions16>
+      </c:ext>
+    </c:extLst>
+    <c:showDLblsOverMax val="0"/>
+  </c:chart>
+  <c:spPr>
+    <a:noFill/>
+    <a:ln>
+      <a:noFill/>
+    </a:ln>
+    <a:effectLst/>
+  </c:spPr>
+  <c:txPr>
+    <a:bodyPr/>
+    <a:lstStyle/>
+    <a:p>
+      <a:pPr>
+        <a:defRPr/>
+      </a:pPr>
+      <a:endParaRPr lang="zh-CN"/>
+    </a:p>
+  </c:txPr>
+  <c:externalData r:id="rId3">
+    <c:autoUpdate val="0"/>
+  </c:externalData>
+</c:chartSpace>
+</file>
+
+<file path=ppt/charts/chart4.xml><?xml version="1.0" encoding="utf-8"?>
+<c:chartSpace xmlns:c="http://schemas.openxmlformats.org/drawingml/2006/chart" xmlns:a="http://schemas.openxmlformats.org/drawingml/2006/main" xmlns:r="http://schemas.openxmlformats.org/officeDocument/2006/relationships" xmlns:c16r2="http://schemas.microsoft.com/office/drawing/2015/06/chart">
+  <c:date1904 val="0"/>
+  <c:lang val="zh-CN"/>
+  <c:roundedCorners val="0"/>
+  <mc:AlternateContent xmlns:mc="http://schemas.openxmlformats.org/markup-compatibility/2006">
+    <mc:Choice xmlns:c14="http://schemas.microsoft.com/office/drawing/2007/8/2/chart" Requires="c14">
+      <c14:style val="102"/>
+    </mc:Choice>
+    <mc:Fallback>
+      <c:style val="2"/>
+    </mc:Fallback>
+  </mc:AlternateContent>
+  <c:chart>
+    <c:title>
+      <c:tx>
+        <c:rich>
+          <a:bodyPr rot="0" spcFirstLastPara="1" vertOverflow="ellipsis" vert="horz" wrap="square" anchor="ctr" anchorCtr="1"/>
+          <a:lstStyle/>
+          <a:p>
+            <a:pPr>
+              <a:defRPr sz="1862" b="0" i="0" u="none" strike="noStrike" kern="1200" spc="0" baseline="0">
+                <a:solidFill>
+                  <a:schemeClr val="tx1">
+                    <a:lumMod val="65000"/>
+                    <a:lumOff val="35000"/>
+                  </a:schemeClr>
+                </a:solidFill>
+                <a:latin typeface="+mn-lt"/>
+                <a:ea typeface="+mn-ea"/>
+                <a:cs typeface="+mn-cs"/>
+              </a:defRPr>
+            </a:pPr>
+            <a:r>
+              <a:rPr lang="zh-CN" altLang="en-US" dirty="0"/>
+              <a:t>三个偏转角度准确</a:t>
+            </a:r>
+          </a:p>
+        </c:rich>
+      </c:tx>
+      <c:overlay val="0"/>
+      <c:spPr>
+        <a:noFill/>
+        <a:ln>
+          <a:noFill/>
+        </a:ln>
+        <a:effectLst/>
+      </c:spPr>
+      <c:txPr>
+        <a:bodyPr rot="0" spcFirstLastPara="1" vertOverflow="ellipsis" vert="horz" wrap="square" anchor="ctr" anchorCtr="1"/>
+        <a:lstStyle/>
+        <a:p>
+          <a:pPr>
+            <a:defRPr sz="1862" b="0" i="0" u="none" strike="noStrike" kern="1200" spc="0" baseline="0">
+              <a:solidFill>
+                <a:schemeClr val="tx1">
+                  <a:lumMod val="65000"/>
+                  <a:lumOff val="35000"/>
+                </a:schemeClr>
+              </a:solidFill>
+              <a:latin typeface="+mn-lt"/>
+              <a:ea typeface="+mn-ea"/>
+              <a:cs typeface="+mn-cs"/>
+            </a:defRPr>
+          </a:pPr>
+          <a:endParaRPr lang="zh-CN"/>
+        </a:p>
+      </c:txPr>
+    </c:title>
+    <c:autoTitleDeleted val="0"/>
+    <c:plotArea>
+      <c:layout/>
+      <c:lineChart>
+        <c:grouping val="standard"/>
+        <c:varyColors val="0"/>
+        <c:ser>
+          <c:idx val="0"/>
+          <c:order val="0"/>
+          <c:tx>
+            <c:strRef>
+              <c:f>Sheet1!$B$1</c:f>
+              <c:strCache>
+                <c:ptCount val="1"/>
+                <c:pt idx="0">
                   <c:v>0.2</c:v>
                 </c:pt>
               </c:strCache>
@@ -3527,7 +4845,7 @@
 </c:chartSpace>
 </file>
 
-<file path=ppt/charts/chart4.xml><?xml version="1.0" encoding="utf-8"?>
+<file path=ppt/charts/chart5.xml><?xml version="1.0" encoding="utf-8"?>
 <c:chartSpace xmlns:c="http://schemas.openxmlformats.org/drawingml/2006/chart" xmlns:a="http://schemas.openxmlformats.org/drawingml/2006/main" xmlns:r="http://schemas.openxmlformats.org/officeDocument/2006/relationships" xmlns:c16r2="http://schemas.microsoft.com/office/drawing/2015/06/chart">
   <c:date1904 val="0"/>
   <c:lang val="zh-CN"/>
@@ -4664,6 +5982,1321 @@
 </c:chartSpace>
 </file>
 
+<file path=ppt/charts/chart6.xml><?xml version="1.0" encoding="utf-8"?>
+<c:chartSpace xmlns:c="http://schemas.openxmlformats.org/drawingml/2006/chart" xmlns:a="http://schemas.openxmlformats.org/drawingml/2006/main" xmlns:r="http://schemas.openxmlformats.org/officeDocument/2006/relationships" xmlns:c16r2="http://schemas.microsoft.com/office/drawing/2015/06/chart">
+  <c:date1904 val="0"/>
+  <c:lang val="zh-CN"/>
+  <c:roundedCorners val="0"/>
+  <mc:AlternateContent xmlns:mc="http://schemas.openxmlformats.org/markup-compatibility/2006">
+    <mc:Choice xmlns:c14="http://schemas.microsoft.com/office/drawing/2007/8/2/chart" Requires="c14">
+      <c14:style val="102"/>
+    </mc:Choice>
+    <mc:Fallback>
+      <c:style val="2"/>
+    </mc:Fallback>
+  </mc:AlternateContent>
+  <c:chart>
+    <c:title>
+      <c:tx>
+        <c:rich>
+          <a:bodyPr rot="0" spcFirstLastPara="1" vertOverflow="ellipsis" vert="horz" wrap="square" anchor="ctr" anchorCtr="1"/>
+          <a:lstStyle/>
+          <a:p>
+            <a:pPr>
+              <a:defRPr sz="1862" b="0" i="0" u="none" strike="noStrike" kern="1200" spc="0" baseline="0">
+                <a:solidFill>
+                  <a:schemeClr val="tx1">
+                    <a:lumMod val="65000"/>
+                    <a:lumOff val="35000"/>
+                  </a:schemeClr>
+                </a:solidFill>
+                <a:latin typeface="+mn-lt"/>
+                <a:ea typeface="+mn-ea"/>
+                <a:cs typeface="+mn-cs"/>
+              </a:defRPr>
+            </a:pPr>
+            <a:r>
+              <a:rPr lang="zh-CN" altLang="en-US" dirty="0"/>
+              <a:t>三个偏转角度准确</a:t>
+            </a:r>
+          </a:p>
+        </c:rich>
+      </c:tx>
+      <c:overlay val="0"/>
+      <c:spPr>
+        <a:noFill/>
+        <a:ln>
+          <a:noFill/>
+        </a:ln>
+        <a:effectLst/>
+      </c:spPr>
+      <c:txPr>
+        <a:bodyPr rot="0" spcFirstLastPara="1" vertOverflow="ellipsis" vert="horz" wrap="square" anchor="ctr" anchorCtr="1"/>
+        <a:lstStyle/>
+        <a:p>
+          <a:pPr>
+            <a:defRPr sz="1862" b="0" i="0" u="none" strike="noStrike" kern="1200" spc="0" baseline="0">
+              <a:solidFill>
+                <a:schemeClr val="tx1">
+                  <a:lumMod val="65000"/>
+                  <a:lumOff val="35000"/>
+                </a:schemeClr>
+              </a:solidFill>
+              <a:latin typeface="+mn-lt"/>
+              <a:ea typeface="+mn-ea"/>
+              <a:cs typeface="+mn-cs"/>
+            </a:defRPr>
+          </a:pPr>
+          <a:endParaRPr lang="zh-CN"/>
+        </a:p>
+      </c:txPr>
+    </c:title>
+    <c:autoTitleDeleted val="0"/>
+    <c:plotArea>
+      <c:layout/>
+      <c:lineChart>
+        <c:grouping val="standard"/>
+        <c:varyColors val="0"/>
+        <c:ser>
+          <c:idx val="0"/>
+          <c:order val="0"/>
+          <c:tx>
+            <c:strRef>
+              <c:f>Sheet1!$B$1</c:f>
+              <c:strCache>
+                <c:ptCount val="1"/>
+                <c:pt idx="0">
+                  <c:v>0.26</c:v>
+                </c:pt>
+              </c:strCache>
+            </c:strRef>
+          </c:tx>
+          <c:spPr>
+            <a:ln w="28575" cap="rnd">
+              <a:solidFill>
+                <a:schemeClr val="accent1"/>
+              </a:solidFill>
+              <a:round/>
+            </a:ln>
+            <a:effectLst/>
+          </c:spPr>
+          <c:marker>
+            <c:symbol val="circle"/>
+            <c:size val="5"/>
+            <c:spPr>
+              <a:solidFill>
+                <a:schemeClr val="accent1"/>
+              </a:solidFill>
+              <a:ln w="9525">
+                <a:solidFill>
+                  <a:schemeClr val="accent1"/>
+                </a:solidFill>
+              </a:ln>
+              <a:effectLst/>
+            </c:spPr>
+          </c:marker>
+          <c:dLbls>
+            <c:spPr>
+              <a:noFill/>
+              <a:ln>
+                <a:noFill/>
+              </a:ln>
+              <a:effectLst/>
+            </c:spPr>
+            <c:txPr>
+              <a:bodyPr rot="0" spcFirstLastPara="1" vertOverflow="ellipsis" vert="horz" wrap="square" lIns="38100" tIns="19050" rIns="38100" bIns="19050" anchor="ctr" anchorCtr="1">
+                <a:spAutoFit/>
+              </a:bodyPr>
+              <a:lstStyle/>
+              <a:p>
+                <a:pPr>
+                  <a:defRPr sz="1197" b="0" i="0" u="none" strike="noStrike" kern="1200" baseline="0">
+                    <a:solidFill>
+                      <a:schemeClr val="tx1">
+                        <a:lumMod val="75000"/>
+                        <a:lumOff val="25000"/>
+                      </a:schemeClr>
+                    </a:solidFill>
+                    <a:latin typeface="+mn-lt"/>
+                    <a:ea typeface="+mn-ea"/>
+                    <a:cs typeface="+mn-cs"/>
+                  </a:defRPr>
+                </a:pPr>
+                <a:endParaRPr lang="zh-CN"/>
+              </a:p>
+            </c:txPr>
+            <c:dLblPos val="l"/>
+            <c:showLegendKey val="0"/>
+            <c:showVal val="1"/>
+            <c:showCatName val="0"/>
+            <c:showSerName val="0"/>
+            <c:showPercent val="0"/>
+            <c:showBubbleSize val="0"/>
+            <c:showLeaderLines val="0"/>
+            <c:extLst>
+              <c:ext xmlns:c15="http://schemas.microsoft.com/office/drawing/2012/chart" uri="{CE6537A1-D6FC-4f65-9D91-7224C49458BB}">
+                <c15:showLeaderLines val="1"/>
+                <c15:leaderLines>
+                  <c:spPr>
+                    <a:ln w="9525" cap="flat" cmpd="sng" algn="ctr">
+                      <a:solidFill>
+                        <a:schemeClr val="tx1">
+                          <a:lumMod val="35000"/>
+                          <a:lumOff val="65000"/>
+                        </a:schemeClr>
+                      </a:solidFill>
+                      <a:round/>
+                    </a:ln>
+                    <a:effectLst/>
+                  </c:spPr>
+                </c15:leaderLines>
+              </c:ext>
+            </c:extLst>
+          </c:dLbls>
+          <c:cat>
+            <c:numRef>
+              <c:f>Sheet1!$A$2:$A$12</c:f>
+              <c:numCache>
+                <c:formatCode>General</c:formatCode>
+                <c:ptCount val="11"/>
+                <c:pt idx="0">
+                  <c:v>0.5</c:v>
+                </c:pt>
+                <c:pt idx="1">
+                  <c:v>0.6</c:v>
+                </c:pt>
+                <c:pt idx="2">
+                  <c:v>0.7</c:v>
+                </c:pt>
+                <c:pt idx="3">
+                  <c:v>0.8</c:v>
+                </c:pt>
+                <c:pt idx="4">
+                  <c:v>0.9</c:v>
+                </c:pt>
+                <c:pt idx="5">
+                  <c:v>1</c:v>
+                </c:pt>
+                <c:pt idx="6">
+                  <c:v>1.1000000000000001</c:v>
+                </c:pt>
+                <c:pt idx="7">
+                  <c:v>1.2</c:v>
+                </c:pt>
+                <c:pt idx="8">
+                  <c:v>1.3</c:v>
+                </c:pt>
+                <c:pt idx="9">
+                  <c:v>1.4</c:v>
+                </c:pt>
+                <c:pt idx="10">
+                  <c:v>1.5</c:v>
+                </c:pt>
+              </c:numCache>
+            </c:numRef>
+          </c:cat>
+          <c:val>
+            <c:numRef>
+              <c:f>Sheet1!$B$2:$B$12</c:f>
+              <c:numCache>
+                <c:formatCode>General</c:formatCode>
+                <c:ptCount val="11"/>
+                <c:pt idx="0">
+                  <c:v>1273</c:v>
+                </c:pt>
+                <c:pt idx="1">
+                  <c:v>1441</c:v>
+                </c:pt>
+                <c:pt idx="2">
+                  <c:v>1584</c:v>
+                </c:pt>
+                <c:pt idx="3">
+                  <c:v>1645</c:v>
+                </c:pt>
+                <c:pt idx="4">
+                  <c:v>1704</c:v>
+                </c:pt>
+                <c:pt idx="5">
+                  <c:v>1718</c:v>
+                </c:pt>
+                <c:pt idx="6">
+                  <c:v>1721</c:v>
+                </c:pt>
+                <c:pt idx="7">
+                  <c:v>1710</c:v>
+                </c:pt>
+                <c:pt idx="8">
+                  <c:v>1693</c:v>
+                </c:pt>
+                <c:pt idx="9">
+                  <c:v>1693</c:v>
+                </c:pt>
+                <c:pt idx="10">
+                  <c:v>1662</c:v>
+                </c:pt>
+              </c:numCache>
+            </c:numRef>
+          </c:val>
+          <c:smooth val="0"/>
+          <c:extLst>
+            <c:ext xmlns:c16="http://schemas.microsoft.com/office/drawing/2014/chart" uri="{C3380CC4-5D6E-409C-BE32-E72D297353CC}">
+              <c16:uniqueId val="{00000000-0FFC-4746-AB5F-24BAF93258F4}"/>
+            </c:ext>
+          </c:extLst>
+        </c:ser>
+        <c:ser>
+          <c:idx val="1"/>
+          <c:order val="1"/>
+          <c:tx>
+            <c:strRef>
+              <c:f>Sheet1!$C$1</c:f>
+              <c:strCache>
+                <c:ptCount val="1"/>
+                <c:pt idx="0">
+                  <c:v>0.27</c:v>
+                </c:pt>
+              </c:strCache>
+            </c:strRef>
+          </c:tx>
+          <c:spPr>
+            <a:ln w="28575" cap="rnd">
+              <a:solidFill>
+                <a:schemeClr val="accent2"/>
+              </a:solidFill>
+              <a:round/>
+            </a:ln>
+            <a:effectLst/>
+          </c:spPr>
+          <c:marker>
+            <c:symbol val="circle"/>
+            <c:size val="5"/>
+            <c:spPr>
+              <a:solidFill>
+                <a:schemeClr val="accent2"/>
+              </a:solidFill>
+              <a:ln w="9525">
+                <a:solidFill>
+                  <a:schemeClr val="accent2"/>
+                </a:solidFill>
+              </a:ln>
+              <a:effectLst/>
+            </c:spPr>
+          </c:marker>
+          <c:dLbls>
+            <c:spPr>
+              <a:noFill/>
+              <a:ln>
+                <a:noFill/>
+              </a:ln>
+              <a:effectLst/>
+            </c:spPr>
+            <c:txPr>
+              <a:bodyPr rot="0" spcFirstLastPara="1" vertOverflow="ellipsis" vert="horz" wrap="square" lIns="38100" tIns="19050" rIns="38100" bIns="19050" anchor="ctr" anchorCtr="1">
+                <a:spAutoFit/>
+              </a:bodyPr>
+              <a:lstStyle/>
+              <a:p>
+                <a:pPr>
+                  <a:defRPr sz="1197" b="0" i="0" u="none" strike="noStrike" kern="1200" baseline="0">
+                    <a:solidFill>
+                      <a:schemeClr val="tx1">
+                        <a:lumMod val="75000"/>
+                        <a:lumOff val="25000"/>
+                      </a:schemeClr>
+                    </a:solidFill>
+                    <a:latin typeface="+mn-lt"/>
+                    <a:ea typeface="+mn-ea"/>
+                    <a:cs typeface="+mn-cs"/>
+                  </a:defRPr>
+                </a:pPr>
+                <a:endParaRPr lang="zh-CN"/>
+              </a:p>
+            </c:txPr>
+            <c:dLblPos val="l"/>
+            <c:showLegendKey val="0"/>
+            <c:showVal val="1"/>
+            <c:showCatName val="0"/>
+            <c:showSerName val="0"/>
+            <c:showPercent val="0"/>
+            <c:showBubbleSize val="0"/>
+            <c:showLeaderLines val="0"/>
+            <c:extLst>
+              <c:ext xmlns:c15="http://schemas.microsoft.com/office/drawing/2012/chart" uri="{CE6537A1-D6FC-4f65-9D91-7224C49458BB}">
+                <c15:showLeaderLines val="1"/>
+                <c15:leaderLines>
+                  <c:spPr>
+                    <a:ln w="9525" cap="flat" cmpd="sng" algn="ctr">
+                      <a:solidFill>
+                        <a:schemeClr val="tx1">
+                          <a:lumMod val="35000"/>
+                          <a:lumOff val="65000"/>
+                        </a:schemeClr>
+                      </a:solidFill>
+                      <a:round/>
+                    </a:ln>
+                    <a:effectLst/>
+                  </c:spPr>
+                </c15:leaderLines>
+              </c:ext>
+            </c:extLst>
+          </c:dLbls>
+          <c:cat>
+            <c:numRef>
+              <c:f>Sheet1!$A$2:$A$12</c:f>
+              <c:numCache>
+                <c:formatCode>General</c:formatCode>
+                <c:ptCount val="11"/>
+                <c:pt idx="0">
+                  <c:v>0.5</c:v>
+                </c:pt>
+                <c:pt idx="1">
+                  <c:v>0.6</c:v>
+                </c:pt>
+                <c:pt idx="2">
+                  <c:v>0.7</c:v>
+                </c:pt>
+                <c:pt idx="3">
+                  <c:v>0.8</c:v>
+                </c:pt>
+                <c:pt idx="4">
+                  <c:v>0.9</c:v>
+                </c:pt>
+                <c:pt idx="5">
+                  <c:v>1</c:v>
+                </c:pt>
+                <c:pt idx="6">
+                  <c:v>1.1000000000000001</c:v>
+                </c:pt>
+                <c:pt idx="7">
+                  <c:v>1.2</c:v>
+                </c:pt>
+                <c:pt idx="8">
+                  <c:v>1.3</c:v>
+                </c:pt>
+                <c:pt idx="9">
+                  <c:v>1.4</c:v>
+                </c:pt>
+                <c:pt idx="10">
+                  <c:v>1.5</c:v>
+                </c:pt>
+              </c:numCache>
+            </c:numRef>
+          </c:cat>
+          <c:val>
+            <c:numRef>
+              <c:f>Sheet1!$C$2:$C$12</c:f>
+              <c:numCache>
+                <c:formatCode>General</c:formatCode>
+                <c:ptCount val="11"/>
+                <c:pt idx="0">
+                  <c:v>1354</c:v>
+                </c:pt>
+                <c:pt idx="1">
+                  <c:v>1516</c:v>
+                </c:pt>
+                <c:pt idx="2">
+                  <c:v>1652</c:v>
+                </c:pt>
+                <c:pt idx="3">
+                  <c:v>1723</c:v>
+                </c:pt>
+                <c:pt idx="4">
+                  <c:v>1773</c:v>
+                </c:pt>
+                <c:pt idx="5">
+                  <c:v>1792</c:v>
+                </c:pt>
+                <c:pt idx="6">
+                  <c:v>1795</c:v>
+                </c:pt>
+                <c:pt idx="7">
+                  <c:v>1784</c:v>
+                </c:pt>
+                <c:pt idx="8">
+                  <c:v>1774</c:v>
+                </c:pt>
+                <c:pt idx="9">
+                  <c:v>1775</c:v>
+                </c:pt>
+                <c:pt idx="10">
+                  <c:v>1748</c:v>
+                </c:pt>
+              </c:numCache>
+            </c:numRef>
+          </c:val>
+          <c:smooth val="0"/>
+          <c:extLst>
+            <c:ext xmlns:c16="http://schemas.microsoft.com/office/drawing/2014/chart" uri="{C3380CC4-5D6E-409C-BE32-E72D297353CC}">
+              <c16:uniqueId val="{00000001-0FFC-4746-AB5F-24BAF93258F4}"/>
+            </c:ext>
+          </c:extLst>
+        </c:ser>
+        <c:ser>
+          <c:idx val="2"/>
+          <c:order val="2"/>
+          <c:tx>
+            <c:strRef>
+              <c:f>Sheet1!$D$1</c:f>
+              <c:strCache>
+                <c:ptCount val="1"/>
+                <c:pt idx="0">
+                  <c:v>0.28</c:v>
+                </c:pt>
+              </c:strCache>
+            </c:strRef>
+          </c:tx>
+          <c:spPr>
+            <a:ln w="28575" cap="rnd">
+              <a:solidFill>
+                <a:schemeClr val="accent3"/>
+              </a:solidFill>
+              <a:round/>
+            </a:ln>
+            <a:effectLst/>
+          </c:spPr>
+          <c:marker>
+            <c:symbol val="circle"/>
+            <c:size val="5"/>
+            <c:spPr>
+              <a:solidFill>
+                <a:schemeClr val="accent3"/>
+              </a:solidFill>
+              <a:ln w="9525">
+                <a:solidFill>
+                  <a:schemeClr val="accent3"/>
+                </a:solidFill>
+              </a:ln>
+              <a:effectLst/>
+            </c:spPr>
+          </c:marker>
+          <c:dLbls>
+            <c:spPr>
+              <a:noFill/>
+              <a:ln>
+                <a:noFill/>
+              </a:ln>
+              <a:effectLst/>
+            </c:spPr>
+            <c:txPr>
+              <a:bodyPr rot="0" spcFirstLastPara="1" vertOverflow="ellipsis" vert="horz" wrap="square" lIns="38100" tIns="19050" rIns="38100" bIns="19050" anchor="ctr" anchorCtr="1">
+                <a:spAutoFit/>
+              </a:bodyPr>
+              <a:lstStyle/>
+              <a:p>
+                <a:pPr>
+                  <a:defRPr sz="1197" b="0" i="0" u="none" strike="noStrike" kern="1200" baseline="0">
+                    <a:solidFill>
+                      <a:schemeClr val="tx1">
+                        <a:lumMod val="75000"/>
+                        <a:lumOff val="25000"/>
+                      </a:schemeClr>
+                    </a:solidFill>
+                    <a:latin typeface="+mn-lt"/>
+                    <a:ea typeface="+mn-ea"/>
+                    <a:cs typeface="+mn-cs"/>
+                  </a:defRPr>
+                </a:pPr>
+                <a:endParaRPr lang="zh-CN"/>
+              </a:p>
+            </c:txPr>
+            <c:dLblPos val="l"/>
+            <c:showLegendKey val="0"/>
+            <c:showVal val="1"/>
+            <c:showCatName val="0"/>
+            <c:showSerName val="0"/>
+            <c:showPercent val="0"/>
+            <c:showBubbleSize val="0"/>
+            <c:showLeaderLines val="0"/>
+            <c:extLst>
+              <c:ext xmlns:c15="http://schemas.microsoft.com/office/drawing/2012/chart" uri="{CE6537A1-D6FC-4f65-9D91-7224C49458BB}">
+                <c15:showLeaderLines val="1"/>
+                <c15:leaderLines>
+                  <c:spPr>
+                    <a:ln w="9525" cap="flat" cmpd="sng" algn="ctr">
+                      <a:solidFill>
+                        <a:schemeClr val="tx1">
+                          <a:lumMod val="35000"/>
+                          <a:lumOff val="65000"/>
+                        </a:schemeClr>
+                      </a:solidFill>
+                      <a:round/>
+                    </a:ln>
+                    <a:effectLst/>
+                  </c:spPr>
+                </c15:leaderLines>
+              </c:ext>
+            </c:extLst>
+          </c:dLbls>
+          <c:cat>
+            <c:numRef>
+              <c:f>Sheet1!$A$2:$A$12</c:f>
+              <c:numCache>
+                <c:formatCode>General</c:formatCode>
+                <c:ptCount val="11"/>
+                <c:pt idx="0">
+                  <c:v>0.5</c:v>
+                </c:pt>
+                <c:pt idx="1">
+                  <c:v>0.6</c:v>
+                </c:pt>
+                <c:pt idx="2">
+                  <c:v>0.7</c:v>
+                </c:pt>
+                <c:pt idx="3">
+                  <c:v>0.8</c:v>
+                </c:pt>
+                <c:pt idx="4">
+                  <c:v>0.9</c:v>
+                </c:pt>
+                <c:pt idx="5">
+                  <c:v>1</c:v>
+                </c:pt>
+                <c:pt idx="6">
+                  <c:v>1.1000000000000001</c:v>
+                </c:pt>
+                <c:pt idx="7">
+                  <c:v>1.2</c:v>
+                </c:pt>
+                <c:pt idx="8">
+                  <c:v>1.3</c:v>
+                </c:pt>
+                <c:pt idx="9">
+                  <c:v>1.4</c:v>
+                </c:pt>
+                <c:pt idx="10">
+                  <c:v>1.5</c:v>
+                </c:pt>
+              </c:numCache>
+            </c:numRef>
+          </c:cat>
+          <c:val>
+            <c:numRef>
+              <c:f>Sheet1!$D$2:$D$12</c:f>
+              <c:numCache>
+                <c:formatCode>General</c:formatCode>
+                <c:ptCount val="11"/>
+                <c:pt idx="0">
+                  <c:v>1427</c:v>
+                </c:pt>
+                <c:pt idx="1">
+                  <c:v>1595</c:v>
+                </c:pt>
+                <c:pt idx="2">
+                  <c:v>1729</c:v>
+                </c:pt>
+                <c:pt idx="3">
+                  <c:v>1798</c:v>
+                </c:pt>
+                <c:pt idx="4">
+                  <c:v>1838</c:v>
+                </c:pt>
+                <c:pt idx="5">
+                  <c:v>1855</c:v>
+                </c:pt>
+                <c:pt idx="6">
+                  <c:v>1863</c:v>
+                </c:pt>
+                <c:pt idx="7">
+                  <c:v>1846</c:v>
+                </c:pt>
+                <c:pt idx="8">
+                  <c:v>1843</c:v>
+                </c:pt>
+                <c:pt idx="9">
+                  <c:v>1840</c:v>
+                </c:pt>
+                <c:pt idx="10">
+                  <c:v>1826</c:v>
+                </c:pt>
+              </c:numCache>
+            </c:numRef>
+          </c:val>
+          <c:smooth val="0"/>
+          <c:extLst>
+            <c:ext xmlns:c16="http://schemas.microsoft.com/office/drawing/2014/chart" uri="{C3380CC4-5D6E-409C-BE32-E72D297353CC}">
+              <c16:uniqueId val="{00000000-6351-4163-92EB-BD8394FCD472}"/>
+            </c:ext>
+          </c:extLst>
+        </c:ser>
+        <c:ser>
+          <c:idx val="3"/>
+          <c:order val="3"/>
+          <c:tx>
+            <c:strRef>
+              <c:f>Sheet1!$E$1</c:f>
+              <c:strCache>
+                <c:ptCount val="1"/>
+                <c:pt idx="0">
+                  <c:v>0.29</c:v>
+                </c:pt>
+              </c:strCache>
+            </c:strRef>
+          </c:tx>
+          <c:spPr>
+            <a:ln w="28575" cap="rnd">
+              <a:solidFill>
+                <a:schemeClr val="accent4"/>
+              </a:solidFill>
+              <a:round/>
+            </a:ln>
+            <a:effectLst/>
+          </c:spPr>
+          <c:marker>
+            <c:symbol val="circle"/>
+            <c:size val="5"/>
+            <c:spPr>
+              <a:solidFill>
+                <a:schemeClr val="accent4"/>
+              </a:solidFill>
+              <a:ln w="9525">
+                <a:solidFill>
+                  <a:schemeClr val="accent4"/>
+                </a:solidFill>
+              </a:ln>
+              <a:effectLst/>
+            </c:spPr>
+          </c:marker>
+          <c:dLbls>
+            <c:spPr>
+              <a:noFill/>
+              <a:ln>
+                <a:noFill/>
+              </a:ln>
+              <a:effectLst/>
+            </c:spPr>
+            <c:txPr>
+              <a:bodyPr rot="0" spcFirstLastPara="1" vertOverflow="ellipsis" vert="horz" wrap="square" lIns="38100" tIns="19050" rIns="38100" bIns="19050" anchor="ctr" anchorCtr="1">
+                <a:spAutoFit/>
+              </a:bodyPr>
+              <a:lstStyle/>
+              <a:p>
+                <a:pPr>
+                  <a:defRPr sz="1197" b="0" i="0" u="none" strike="noStrike" kern="1200" baseline="0">
+                    <a:solidFill>
+                      <a:schemeClr val="tx1">
+                        <a:lumMod val="75000"/>
+                        <a:lumOff val="25000"/>
+                      </a:schemeClr>
+                    </a:solidFill>
+                    <a:latin typeface="+mn-lt"/>
+                    <a:ea typeface="+mn-ea"/>
+                    <a:cs typeface="+mn-cs"/>
+                  </a:defRPr>
+                </a:pPr>
+                <a:endParaRPr lang="zh-CN"/>
+              </a:p>
+            </c:txPr>
+            <c:dLblPos val="l"/>
+            <c:showLegendKey val="0"/>
+            <c:showVal val="1"/>
+            <c:showCatName val="0"/>
+            <c:showSerName val="0"/>
+            <c:showPercent val="0"/>
+            <c:showBubbleSize val="0"/>
+            <c:showLeaderLines val="0"/>
+            <c:extLst>
+              <c:ext xmlns:c15="http://schemas.microsoft.com/office/drawing/2012/chart" uri="{CE6537A1-D6FC-4f65-9D91-7224C49458BB}">
+                <c15:showLeaderLines val="1"/>
+                <c15:leaderLines>
+                  <c:spPr>
+                    <a:ln w="9525" cap="flat" cmpd="sng" algn="ctr">
+                      <a:solidFill>
+                        <a:schemeClr val="tx1">
+                          <a:lumMod val="35000"/>
+                          <a:lumOff val="65000"/>
+                        </a:schemeClr>
+                      </a:solidFill>
+                      <a:round/>
+                    </a:ln>
+                    <a:effectLst/>
+                  </c:spPr>
+                </c15:leaderLines>
+              </c:ext>
+            </c:extLst>
+          </c:dLbls>
+          <c:cat>
+            <c:numRef>
+              <c:f>Sheet1!$A$2:$A$12</c:f>
+              <c:numCache>
+                <c:formatCode>General</c:formatCode>
+                <c:ptCount val="11"/>
+                <c:pt idx="0">
+                  <c:v>0.5</c:v>
+                </c:pt>
+                <c:pt idx="1">
+                  <c:v>0.6</c:v>
+                </c:pt>
+                <c:pt idx="2">
+                  <c:v>0.7</c:v>
+                </c:pt>
+                <c:pt idx="3">
+                  <c:v>0.8</c:v>
+                </c:pt>
+                <c:pt idx="4">
+                  <c:v>0.9</c:v>
+                </c:pt>
+                <c:pt idx="5">
+                  <c:v>1</c:v>
+                </c:pt>
+                <c:pt idx="6">
+                  <c:v>1.1000000000000001</c:v>
+                </c:pt>
+                <c:pt idx="7">
+                  <c:v>1.2</c:v>
+                </c:pt>
+                <c:pt idx="8">
+                  <c:v>1.3</c:v>
+                </c:pt>
+                <c:pt idx="9">
+                  <c:v>1.4</c:v>
+                </c:pt>
+                <c:pt idx="10">
+                  <c:v>1.5</c:v>
+                </c:pt>
+              </c:numCache>
+            </c:numRef>
+          </c:cat>
+          <c:val>
+            <c:numRef>
+              <c:f>Sheet1!$E$2:$E$12</c:f>
+              <c:numCache>
+                <c:formatCode>General</c:formatCode>
+                <c:ptCount val="11"/>
+                <c:pt idx="0">
+                  <c:v>1508</c:v>
+                </c:pt>
+                <c:pt idx="1">
+                  <c:v>1687</c:v>
+                </c:pt>
+                <c:pt idx="2">
+                  <c:v>1800</c:v>
+                </c:pt>
+                <c:pt idx="3">
+                  <c:v>1866</c:v>
+                </c:pt>
+                <c:pt idx="4">
+                  <c:v>1896</c:v>
+                </c:pt>
+                <c:pt idx="5">
+                  <c:v>1910</c:v>
+                </c:pt>
+                <c:pt idx="6">
+                  <c:v>1911</c:v>
+                </c:pt>
+                <c:pt idx="7">
+                  <c:v>1900</c:v>
+                </c:pt>
+                <c:pt idx="8">
+                  <c:v>1892</c:v>
+                </c:pt>
+                <c:pt idx="9">
+                  <c:v>1887</c:v>
+                </c:pt>
+                <c:pt idx="10">
+                  <c:v>1872</c:v>
+                </c:pt>
+              </c:numCache>
+            </c:numRef>
+          </c:val>
+          <c:smooth val="0"/>
+          <c:extLst>
+            <c:ext xmlns:c16="http://schemas.microsoft.com/office/drawing/2014/chart" uri="{C3380CC4-5D6E-409C-BE32-E72D297353CC}">
+              <c16:uniqueId val="{00000001-6351-4163-92EB-BD8394FCD472}"/>
+            </c:ext>
+          </c:extLst>
+        </c:ser>
+        <c:ser>
+          <c:idx val="4"/>
+          <c:order val="4"/>
+          <c:tx>
+            <c:strRef>
+              <c:f>Sheet1!$F$1</c:f>
+              <c:strCache>
+                <c:ptCount val="1"/>
+                <c:pt idx="0">
+                  <c:v>0.3</c:v>
+                </c:pt>
+              </c:strCache>
+            </c:strRef>
+          </c:tx>
+          <c:spPr>
+            <a:ln w="28575" cap="rnd">
+              <a:solidFill>
+                <a:schemeClr val="accent5"/>
+              </a:solidFill>
+              <a:round/>
+            </a:ln>
+            <a:effectLst/>
+          </c:spPr>
+          <c:marker>
+            <c:symbol val="circle"/>
+            <c:size val="5"/>
+            <c:spPr>
+              <a:solidFill>
+                <a:schemeClr val="accent5"/>
+              </a:solidFill>
+              <a:ln w="9525">
+                <a:solidFill>
+                  <a:schemeClr val="accent5"/>
+                </a:solidFill>
+              </a:ln>
+              <a:effectLst/>
+            </c:spPr>
+          </c:marker>
+          <c:dLbls>
+            <c:spPr>
+              <a:noFill/>
+              <a:ln>
+                <a:noFill/>
+              </a:ln>
+              <a:effectLst/>
+            </c:spPr>
+            <c:txPr>
+              <a:bodyPr rot="0" spcFirstLastPara="1" vertOverflow="ellipsis" vert="horz" wrap="square" lIns="38100" tIns="19050" rIns="38100" bIns="19050" anchor="ctr" anchorCtr="1">
+                <a:spAutoFit/>
+              </a:bodyPr>
+              <a:lstStyle/>
+              <a:p>
+                <a:pPr>
+                  <a:defRPr sz="1197" b="0" i="0" u="none" strike="noStrike" kern="1200" baseline="0">
+                    <a:solidFill>
+                      <a:schemeClr val="tx1">
+                        <a:lumMod val="75000"/>
+                        <a:lumOff val="25000"/>
+                      </a:schemeClr>
+                    </a:solidFill>
+                    <a:latin typeface="+mn-lt"/>
+                    <a:ea typeface="+mn-ea"/>
+                    <a:cs typeface="+mn-cs"/>
+                  </a:defRPr>
+                </a:pPr>
+                <a:endParaRPr lang="zh-CN"/>
+              </a:p>
+            </c:txPr>
+            <c:dLblPos val="l"/>
+            <c:showLegendKey val="0"/>
+            <c:showVal val="1"/>
+            <c:showCatName val="0"/>
+            <c:showSerName val="0"/>
+            <c:showPercent val="0"/>
+            <c:showBubbleSize val="0"/>
+            <c:showLeaderLines val="0"/>
+            <c:extLst>
+              <c:ext xmlns:c15="http://schemas.microsoft.com/office/drawing/2012/chart" uri="{CE6537A1-D6FC-4f65-9D91-7224C49458BB}">
+                <c15:showLeaderLines val="1"/>
+                <c15:leaderLines>
+                  <c:spPr>
+                    <a:ln w="9525" cap="flat" cmpd="sng" algn="ctr">
+                      <a:solidFill>
+                        <a:schemeClr val="tx1">
+                          <a:lumMod val="35000"/>
+                          <a:lumOff val="65000"/>
+                        </a:schemeClr>
+                      </a:solidFill>
+                      <a:round/>
+                    </a:ln>
+                    <a:effectLst/>
+                  </c:spPr>
+                </c15:leaderLines>
+              </c:ext>
+            </c:extLst>
+          </c:dLbls>
+          <c:cat>
+            <c:numRef>
+              <c:f>Sheet1!$A$2:$A$12</c:f>
+              <c:numCache>
+                <c:formatCode>General</c:formatCode>
+                <c:ptCount val="11"/>
+                <c:pt idx="0">
+                  <c:v>0.5</c:v>
+                </c:pt>
+                <c:pt idx="1">
+                  <c:v>0.6</c:v>
+                </c:pt>
+                <c:pt idx="2">
+                  <c:v>0.7</c:v>
+                </c:pt>
+                <c:pt idx="3">
+                  <c:v>0.8</c:v>
+                </c:pt>
+                <c:pt idx="4">
+                  <c:v>0.9</c:v>
+                </c:pt>
+                <c:pt idx="5">
+                  <c:v>1</c:v>
+                </c:pt>
+                <c:pt idx="6">
+                  <c:v>1.1000000000000001</c:v>
+                </c:pt>
+                <c:pt idx="7">
+                  <c:v>1.2</c:v>
+                </c:pt>
+                <c:pt idx="8">
+                  <c:v>1.3</c:v>
+                </c:pt>
+                <c:pt idx="9">
+                  <c:v>1.4</c:v>
+                </c:pt>
+                <c:pt idx="10">
+                  <c:v>1.5</c:v>
+                </c:pt>
+              </c:numCache>
+            </c:numRef>
+          </c:cat>
+          <c:val>
+            <c:numRef>
+              <c:f>Sheet1!$F$2:$F$12</c:f>
+              <c:numCache>
+                <c:formatCode>General</c:formatCode>
+                <c:ptCount val="11"/>
+                <c:pt idx="0">
+                  <c:v>1600</c:v>
+                </c:pt>
+                <c:pt idx="1">
+                  <c:v>1768</c:v>
+                </c:pt>
+                <c:pt idx="2">
+                  <c:v>1856</c:v>
+                </c:pt>
+                <c:pt idx="3">
+                  <c:v>1913</c:v>
+                </c:pt>
+                <c:pt idx="4">
+                  <c:v>1933</c:v>
+                </c:pt>
+                <c:pt idx="5">
+                  <c:v>1945</c:v>
+                </c:pt>
+                <c:pt idx="6">
+                  <c:v>1946</c:v>
+                </c:pt>
+                <c:pt idx="7">
+                  <c:v>1935</c:v>
+                </c:pt>
+                <c:pt idx="8">
+                  <c:v>1932</c:v>
+                </c:pt>
+                <c:pt idx="9">
+                  <c:v>1926</c:v>
+                </c:pt>
+                <c:pt idx="10">
+                  <c:v>1913</c:v>
+                </c:pt>
+              </c:numCache>
+            </c:numRef>
+          </c:val>
+          <c:smooth val="0"/>
+          <c:extLst>
+            <c:ext xmlns:c16="http://schemas.microsoft.com/office/drawing/2014/chart" uri="{C3380CC4-5D6E-409C-BE32-E72D297353CC}">
+              <c16:uniqueId val="{00000000-B0EA-45BD-88A9-8480B0489164}"/>
+            </c:ext>
+          </c:extLst>
+        </c:ser>
+        <c:dLbls>
+          <c:dLblPos val="t"/>
+          <c:showLegendKey val="0"/>
+          <c:showVal val="1"/>
+          <c:showCatName val="0"/>
+          <c:showSerName val="0"/>
+          <c:showPercent val="0"/>
+          <c:showBubbleSize val="0"/>
+        </c:dLbls>
+        <c:marker val="1"/>
+        <c:smooth val="0"/>
+        <c:axId val="1810908416"/>
+        <c:axId val="1802949168"/>
+      </c:lineChart>
+      <c:catAx>
+        <c:axId val="1810908416"/>
+        <c:scaling>
+          <c:orientation val="minMax"/>
+        </c:scaling>
+        <c:delete val="0"/>
+        <c:axPos val="b"/>
+        <c:title>
+          <c:tx>
+            <c:rich>
+              <a:bodyPr rot="0" spcFirstLastPara="1" vertOverflow="ellipsis" vert="horz" wrap="square" anchor="ctr" anchorCtr="1"/>
+              <a:lstStyle/>
+              <a:p>
+                <a:pPr>
+                  <a:defRPr sz="1330" b="0" i="0" u="none" strike="noStrike" kern="1200" baseline="0">
+                    <a:solidFill>
+                      <a:schemeClr val="tx1">
+                        <a:lumMod val="65000"/>
+                        <a:lumOff val="35000"/>
+                      </a:schemeClr>
+                    </a:solidFill>
+                    <a:latin typeface="+mn-lt"/>
+                    <a:ea typeface="+mn-ea"/>
+                    <a:cs typeface="+mn-cs"/>
+                  </a:defRPr>
+                </a:pPr>
+                <a:r>
+                  <a:rPr lang="zh-CN" altLang="en-US" dirty="0"/>
+                  <a:t>图片比例</a:t>
+                </a:r>
+              </a:p>
+            </c:rich>
+          </c:tx>
+          <c:overlay val="0"/>
+          <c:spPr>
+            <a:noFill/>
+            <a:ln>
+              <a:noFill/>
+            </a:ln>
+            <a:effectLst/>
+          </c:spPr>
+          <c:txPr>
+            <a:bodyPr rot="0" spcFirstLastPara="1" vertOverflow="ellipsis" vert="horz" wrap="square" anchor="ctr" anchorCtr="1"/>
+            <a:lstStyle/>
+            <a:p>
+              <a:pPr>
+                <a:defRPr sz="1330" b="0" i="0" u="none" strike="noStrike" kern="1200" baseline="0">
+                  <a:solidFill>
+                    <a:schemeClr val="tx1">
+                      <a:lumMod val="65000"/>
+                      <a:lumOff val="35000"/>
+                    </a:schemeClr>
+                  </a:solidFill>
+                  <a:latin typeface="+mn-lt"/>
+                  <a:ea typeface="+mn-ea"/>
+                  <a:cs typeface="+mn-cs"/>
+                </a:defRPr>
+              </a:pPr>
+              <a:endParaRPr lang="zh-CN"/>
+            </a:p>
+          </c:txPr>
+        </c:title>
+        <c:numFmt formatCode="General" sourceLinked="1"/>
+        <c:majorTickMark val="none"/>
+        <c:minorTickMark val="none"/>
+        <c:tickLblPos val="nextTo"/>
+        <c:spPr>
+          <a:noFill/>
+          <a:ln w="9525" cap="flat" cmpd="sng" algn="ctr">
+            <a:solidFill>
+              <a:schemeClr val="tx1">
+                <a:lumMod val="15000"/>
+                <a:lumOff val="85000"/>
+              </a:schemeClr>
+            </a:solidFill>
+            <a:round/>
+          </a:ln>
+          <a:effectLst/>
+        </c:spPr>
+        <c:txPr>
+          <a:bodyPr rot="-60000000" spcFirstLastPara="1" vertOverflow="ellipsis" vert="horz" wrap="square" anchor="ctr" anchorCtr="1"/>
+          <a:lstStyle/>
+          <a:p>
+            <a:pPr>
+              <a:defRPr sz="1197" b="0" i="0" u="none" strike="noStrike" kern="1200" baseline="0">
+                <a:solidFill>
+                  <a:schemeClr val="tx1">
+                    <a:lumMod val="65000"/>
+                    <a:lumOff val="35000"/>
+                  </a:schemeClr>
+                </a:solidFill>
+                <a:latin typeface="+mn-lt"/>
+                <a:ea typeface="+mn-ea"/>
+                <a:cs typeface="+mn-cs"/>
+              </a:defRPr>
+            </a:pPr>
+            <a:endParaRPr lang="zh-CN"/>
+          </a:p>
+        </c:txPr>
+        <c:crossAx val="1802949168"/>
+        <c:crosses val="autoZero"/>
+        <c:auto val="1"/>
+        <c:lblAlgn val="ctr"/>
+        <c:lblOffset val="100"/>
+        <c:noMultiLvlLbl val="0"/>
+      </c:catAx>
+      <c:valAx>
+        <c:axId val="1802949168"/>
+        <c:scaling>
+          <c:orientation val="minMax"/>
+          <c:min val="1200"/>
+        </c:scaling>
+        <c:delete val="0"/>
+        <c:axPos val="l"/>
+        <c:majorGridlines>
+          <c:spPr>
+            <a:ln w="9525" cap="flat" cmpd="sng" algn="ctr">
+              <a:solidFill>
+                <a:schemeClr val="tx1">
+                  <a:lumMod val="15000"/>
+                  <a:lumOff val="85000"/>
+                </a:schemeClr>
+              </a:solidFill>
+              <a:round/>
+            </a:ln>
+            <a:effectLst/>
+          </c:spPr>
+        </c:majorGridlines>
+        <c:title>
+          <c:tx>
+            <c:rich>
+              <a:bodyPr rot="-5400000" spcFirstLastPara="1" vertOverflow="ellipsis" vert="horz" wrap="square" anchor="ctr" anchorCtr="1"/>
+              <a:lstStyle/>
+              <a:p>
+                <a:pPr>
+                  <a:defRPr sz="1330" b="0" i="0" u="none" strike="noStrike" kern="1200" baseline="0">
+                    <a:solidFill>
+                      <a:schemeClr val="tx1">
+                        <a:lumMod val="65000"/>
+                        <a:lumOff val="35000"/>
+                      </a:schemeClr>
+                    </a:solidFill>
+                    <a:latin typeface="+mn-lt"/>
+                    <a:ea typeface="+mn-ea"/>
+                    <a:cs typeface="+mn-cs"/>
+                  </a:defRPr>
+                </a:pPr>
+                <a:r>
+                  <a:rPr lang="zh-CN" altLang="en-US" dirty="0"/>
+                  <a:t>准确数</a:t>
+                </a:r>
+              </a:p>
+            </c:rich>
+          </c:tx>
+          <c:overlay val="0"/>
+          <c:spPr>
+            <a:noFill/>
+            <a:ln>
+              <a:noFill/>
+            </a:ln>
+            <a:effectLst/>
+          </c:spPr>
+          <c:txPr>
+            <a:bodyPr rot="-5400000" spcFirstLastPara="1" vertOverflow="ellipsis" vert="horz" wrap="square" anchor="ctr" anchorCtr="1"/>
+            <a:lstStyle/>
+            <a:p>
+              <a:pPr>
+                <a:defRPr sz="1330" b="0" i="0" u="none" strike="noStrike" kern="1200" baseline="0">
+                  <a:solidFill>
+                    <a:schemeClr val="tx1">
+                      <a:lumMod val="65000"/>
+                      <a:lumOff val="35000"/>
+                    </a:schemeClr>
+                  </a:solidFill>
+                  <a:latin typeface="+mn-lt"/>
+                  <a:ea typeface="+mn-ea"/>
+                  <a:cs typeface="+mn-cs"/>
+                </a:defRPr>
+              </a:pPr>
+              <a:endParaRPr lang="zh-CN"/>
+            </a:p>
+          </c:txPr>
+        </c:title>
+        <c:numFmt formatCode="General" sourceLinked="1"/>
+        <c:majorTickMark val="none"/>
+        <c:minorTickMark val="none"/>
+        <c:tickLblPos val="nextTo"/>
+        <c:spPr>
+          <a:noFill/>
+          <a:ln>
+            <a:noFill/>
+          </a:ln>
+          <a:effectLst/>
+        </c:spPr>
+        <c:txPr>
+          <a:bodyPr rot="-60000000" spcFirstLastPara="1" vertOverflow="ellipsis" vert="horz" wrap="square" anchor="ctr" anchorCtr="1"/>
+          <a:lstStyle/>
+          <a:p>
+            <a:pPr>
+              <a:defRPr sz="1197" b="0" i="0" u="none" strike="noStrike" kern="1200" baseline="0">
+                <a:solidFill>
+                  <a:schemeClr val="tx1">
+                    <a:lumMod val="65000"/>
+                    <a:lumOff val="35000"/>
+                  </a:schemeClr>
+                </a:solidFill>
+                <a:latin typeface="+mn-lt"/>
+                <a:ea typeface="+mn-ea"/>
+                <a:cs typeface="+mn-cs"/>
+              </a:defRPr>
+            </a:pPr>
+            <a:endParaRPr lang="zh-CN"/>
+          </a:p>
+        </c:txPr>
+        <c:crossAx val="1810908416"/>
+        <c:crosses val="autoZero"/>
+        <c:crossBetween val="between"/>
+      </c:valAx>
+      <c:spPr>
+        <a:noFill/>
+        <a:ln>
+          <a:noFill/>
+        </a:ln>
+        <a:effectLst/>
+      </c:spPr>
+    </c:plotArea>
+    <c:legend>
+      <c:legendPos val="b"/>
+      <c:overlay val="0"/>
+      <c:spPr>
+        <a:noFill/>
+        <a:ln>
+          <a:noFill/>
+        </a:ln>
+        <a:effectLst/>
+      </c:spPr>
+      <c:txPr>
+        <a:bodyPr rot="0" spcFirstLastPara="1" vertOverflow="ellipsis" vert="horz" wrap="square" anchor="ctr" anchorCtr="1"/>
+        <a:lstStyle/>
+        <a:p>
+          <a:pPr>
+            <a:defRPr sz="1197" b="0" i="0" u="none" strike="noStrike" kern="1200" baseline="0">
+              <a:solidFill>
+                <a:schemeClr val="tx1">
+                  <a:lumMod val="65000"/>
+                  <a:lumOff val="35000"/>
+                </a:schemeClr>
+              </a:solidFill>
+              <a:latin typeface="+mn-lt"/>
+              <a:ea typeface="+mn-ea"/>
+              <a:cs typeface="+mn-cs"/>
+            </a:defRPr>
+          </a:pPr>
+          <a:endParaRPr lang="zh-CN"/>
+        </a:p>
+      </c:txPr>
+    </c:legend>
+    <c:plotVisOnly val="1"/>
+    <c:dispBlanksAs val="gap"/>
+    <c:extLst>
+      <c:ext xmlns:c16r3="http://schemas.microsoft.com/office/drawing/2017/03/chart" uri="{56B9EC1D-385E-4148-901F-78D8002777C0}">
+        <c16r3:dataDisplayOptions16>
+          <c16r3:dispNaAsBlank val="1"/>
+        </c16r3:dataDisplayOptions16>
+      </c:ext>
+    </c:extLst>
+    <c:showDLblsOverMax val="0"/>
+  </c:chart>
+  <c:spPr>
+    <a:noFill/>
+    <a:ln>
+      <a:noFill/>
+    </a:ln>
+    <a:effectLst/>
+  </c:spPr>
+  <c:txPr>
+    <a:bodyPr/>
+    <a:lstStyle/>
+    <a:p>
+      <a:pPr>
+        <a:defRPr/>
+      </a:pPr>
+      <a:endParaRPr lang="zh-CN"/>
+    </a:p>
+  </c:txPr>
+  <c:externalData r:id="rId3">
+    <c:autoUpdate val="0"/>
+  </c:externalData>
+</c:chartSpace>
+</file>
+
 <file path=ppt/charts/colors1.xml><?xml version="1.0" encoding="utf-8"?>
 <cs:colorStyle xmlns:cs="http://schemas.microsoft.com/office/drawing/2012/chartStyle" xmlns:a="http://schemas.openxmlformats.org/drawingml/2006/main" meth="cycle" id="10">
   <a:schemeClr val="accent1"/>
@@ -4824,6 +7457,86 @@
 </cs:colorStyle>
 </file>
 
+<file path=ppt/charts/colors5.xml><?xml version="1.0" encoding="utf-8"?>
+<cs:colorStyle xmlns:cs="http://schemas.microsoft.com/office/drawing/2012/chartStyle" xmlns:a="http://schemas.openxmlformats.org/drawingml/2006/main" meth="cycle" id="10">
+  <a:schemeClr val="accent1"/>
+  <a:schemeClr val="accent2"/>
+  <a:schemeClr val="accent3"/>
+  <a:schemeClr val="accent4"/>
+  <a:schemeClr val="accent5"/>
+  <a:schemeClr val="accent6"/>
+  <cs:variation/>
+  <cs:variation>
+    <a:lumMod val="60000"/>
+  </cs:variation>
+  <cs:variation>
+    <a:lumMod val="80000"/>
+    <a:lumOff val="20000"/>
+  </cs:variation>
+  <cs:variation>
+    <a:lumMod val="80000"/>
+  </cs:variation>
+  <cs:variation>
+    <a:lumMod val="60000"/>
+    <a:lumOff val="40000"/>
+  </cs:variation>
+  <cs:variation>
+    <a:lumMod val="50000"/>
+  </cs:variation>
+  <cs:variation>
+    <a:lumMod val="70000"/>
+    <a:lumOff val="30000"/>
+  </cs:variation>
+  <cs:variation>
+    <a:lumMod val="70000"/>
+  </cs:variation>
+  <cs:variation>
+    <a:lumMod val="50000"/>
+    <a:lumOff val="50000"/>
+  </cs:variation>
+</cs:colorStyle>
+</file>
+
+<file path=ppt/charts/colors6.xml><?xml version="1.0" encoding="utf-8"?>
+<cs:colorStyle xmlns:cs="http://schemas.microsoft.com/office/drawing/2012/chartStyle" xmlns:a="http://schemas.openxmlformats.org/drawingml/2006/main" meth="cycle" id="10">
+  <a:schemeClr val="accent1"/>
+  <a:schemeClr val="accent2"/>
+  <a:schemeClr val="accent3"/>
+  <a:schemeClr val="accent4"/>
+  <a:schemeClr val="accent5"/>
+  <a:schemeClr val="accent6"/>
+  <cs:variation/>
+  <cs:variation>
+    <a:lumMod val="60000"/>
+  </cs:variation>
+  <cs:variation>
+    <a:lumMod val="80000"/>
+    <a:lumOff val="20000"/>
+  </cs:variation>
+  <cs:variation>
+    <a:lumMod val="80000"/>
+  </cs:variation>
+  <cs:variation>
+    <a:lumMod val="60000"/>
+    <a:lumOff val="40000"/>
+  </cs:variation>
+  <cs:variation>
+    <a:lumMod val="50000"/>
+  </cs:variation>
+  <cs:variation>
+    <a:lumMod val="70000"/>
+    <a:lumOff val="30000"/>
+  </cs:variation>
+  <cs:variation>
+    <a:lumMod val="70000"/>
+  </cs:variation>
+  <cs:variation>
+    <a:lumMod val="50000"/>
+    <a:lumOff val="50000"/>
+  </cs:variation>
+</cs:colorStyle>
+</file>
+
 <file path=ppt/charts/style1.xml><?xml version="1.0" encoding="utf-8"?>
 <cs:chartStyle xmlns:cs="http://schemas.microsoft.com/office/drawing/2012/chartStyle" xmlns:a="http://schemas.openxmlformats.org/drawingml/2006/main" id="332">
   <cs:axisTitle>
@@ -6334,6 +9047,1012 @@
 </file>
 
 <file path=ppt/charts/style4.xml><?xml version="1.0" encoding="utf-8"?>
+<cs:chartStyle xmlns:cs="http://schemas.microsoft.com/office/drawing/2012/chartStyle" xmlns:a="http://schemas.openxmlformats.org/drawingml/2006/main" id="332">
+  <cs:axisTitle>
+    <cs:lnRef idx="0"/>
+    <cs:fillRef idx="0"/>
+    <cs:effectRef idx="0"/>
+    <cs:fontRef idx="minor">
+      <a:schemeClr val="tx1">
+        <a:lumMod val="65000"/>
+        <a:lumOff val="35000"/>
+      </a:schemeClr>
+    </cs:fontRef>
+    <cs:defRPr sz="1330" kern="1200"/>
+  </cs:axisTitle>
+  <cs:categoryAxis>
+    <cs:lnRef idx="0"/>
+    <cs:fillRef idx="0"/>
+    <cs:effectRef idx="0"/>
+    <cs:fontRef idx="minor">
+      <a:schemeClr val="tx1">
+        <a:lumMod val="65000"/>
+        <a:lumOff val="35000"/>
+      </a:schemeClr>
+    </cs:fontRef>
+    <cs:spPr>
+      <a:ln w="9525" cap="flat" cmpd="sng" algn="ctr">
+        <a:solidFill>
+          <a:schemeClr val="tx1">
+            <a:lumMod val="15000"/>
+            <a:lumOff val="85000"/>
+          </a:schemeClr>
+        </a:solidFill>
+        <a:round/>
+      </a:ln>
+    </cs:spPr>
+    <cs:defRPr sz="1197" kern="1200"/>
+  </cs:categoryAxis>
+  <cs:chartArea mods="allowNoFillOverride allowNoLineOverride">
+    <cs:lnRef idx="0"/>
+    <cs:fillRef idx="0"/>
+    <cs:effectRef idx="0"/>
+    <cs:fontRef idx="minor">
+      <a:schemeClr val="tx1"/>
+    </cs:fontRef>
+    <cs:spPr>
+      <a:solidFill>
+        <a:schemeClr val="bg1"/>
+      </a:solidFill>
+      <a:ln w="9525" cap="flat" cmpd="sng" algn="ctr">
+        <a:solidFill>
+          <a:schemeClr val="tx1">
+            <a:lumMod val="15000"/>
+            <a:lumOff val="85000"/>
+          </a:schemeClr>
+        </a:solidFill>
+        <a:round/>
+      </a:ln>
+    </cs:spPr>
+    <cs:defRPr sz="1330" kern="1200"/>
+  </cs:chartArea>
+  <cs:dataLabel>
+    <cs:lnRef idx="0"/>
+    <cs:fillRef idx="0"/>
+    <cs:effectRef idx="0"/>
+    <cs:fontRef idx="minor">
+      <a:schemeClr val="tx1">
+        <a:lumMod val="75000"/>
+        <a:lumOff val="25000"/>
+      </a:schemeClr>
+    </cs:fontRef>
+    <cs:defRPr sz="1197" kern="1200"/>
+  </cs:dataLabel>
+  <cs:dataLabelCallout>
+    <cs:lnRef idx="0"/>
+    <cs:fillRef idx="0"/>
+    <cs:effectRef idx="0"/>
+    <cs:fontRef idx="minor">
+      <a:schemeClr val="dk1">
+        <a:lumMod val="65000"/>
+        <a:lumOff val="35000"/>
+      </a:schemeClr>
+    </cs:fontRef>
+    <cs:spPr>
+      <a:solidFill>
+        <a:schemeClr val="lt1"/>
+      </a:solidFill>
+      <a:ln>
+        <a:solidFill>
+          <a:schemeClr val="dk1">
+            <a:lumMod val="25000"/>
+            <a:lumOff val="75000"/>
+          </a:schemeClr>
+        </a:solidFill>
+      </a:ln>
+    </cs:spPr>
+    <cs:defRPr sz="1197" kern="1200"/>
+    <cs:bodyPr rot="0" spcFirstLastPara="1" vertOverflow="clip" horzOverflow="clip" vert="horz" wrap="square" lIns="36576" tIns="18288" rIns="36576" bIns="18288" anchor="ctr" anchorCtr="1">
+      <a:spAutoFit/>
+    </cs:bodyPr>
+  </cs:dataLabelCallout>
+  <cs:dataPoint>
+    <cs:lnRef idx="0"/>
+    <cs:fillRef idx="1">
+      <cs:styleClr val="auto"/>
+    </cs:fillRef>
+    <cs:effectRef idx="0"/>
+    <cs:fontRef idx="minor">
+      <a:schemeClr val="tx1"/>
+    </cs:fontRef>
+  </cs:dataPoint>
+  <cs:dataPoint3D>
+    <cs:lnRef idx="0"/>
+    <cs:fillRef idx="1">
+      <cs:styleClr val="auto"/>
+    </cs:fillRef>
+    <cs:effectRef idx="0"/>
+    <cs:fontRef idx="minor">
+      <a:schemeClr val="tx1"/>
+    </cs:fontRef>
+  </cs:dataPoint3D>
+  <cs:dataPointLine>
+    <cs:lnRef idx="0">
+      <cs:styleClr val="auto"/>
+    </cs:lnRef>
+    <cs:fillRef idx="1"/>
+    <cs:effectRef idx="0"/>
+    <cs:fontRef idx="minor">
+      <a:schemeClr val="tx1"/>
+    </cs:fontRef>
+    <cs:spPr>
+      <a:ln w="28575" cap="rnd">
+        <a:solidFill>
+          <a:schemeClr val="phClr"/>
+        </a:solidFill>
+        <a:round/>
+      </a:ln>
+    </cs:spPr>
+  </cs:dataPointLine>
+  <cs:dataPointMarker>
+    <cs:lnRef idx="0">
+      <cs:styleClr val="auto"/>
+    </cs:lnRef>
+    <cs:fillRef idx="1">
+      <cs:styleClr val="auto"/>
+    </cs:fillRef>
+    <cs:effectRef idx="0"/>
+    <cs:fontRef idx="minor">
+      <a:schemeClr val="tx1"/>
+    </cs:fontRef>
+    <cs:spPr>
+      <a:ln w="9525">
+        <a:solidFill>
+          <a:schemeClr val="phClr"/>
+        </a:solidFill>
+      </a:ln>
+    </cs:spPr>
+  </cs:dataPointMarker>
+  <cs:dataPointMarkerLayout symbol="circle" size="5"/>
+  <cs:dataPointWireframe>
+    <cs:lnRef idx="0">
+      <cs:styleClr val="auto"/>
+    </cs:lnRef>
+    <cs:fillRef idx="1"/>
+    <cs:effectRef idx="0"/>
+    <cs:fontRef idx="minor">
+      <a:schemeClr val="tx1"/>
+    </cs:fontRef>
+    <cs:spPr>
+      <a:ln w="9525" cap="rnd">
+        <a:solidFill>
+          <a:schemeClr val="phClr"/>
+        </a:solidFill>
+        <a:round/>
+      </a:ln>
+    </cs:spPr>
+  </cs:dataPointWireframe>
+  <cs:dataTable>
+    <cs:lnRef idx="0"/>
+    <cs:fillRef idx="0"/>
+    <cs:effectRef idx="0"/>
+    <cs:fontRef idx="minor">
+      <a:schemeClr val="tx1">
+        <a:lumMod val="65000"/>
+        <a:lumOff val="35000"/>
+      </a:schemeClr>
+    </cs:fontRef>
+    <cs:spPr>
+      <a:noFill/>
+      <a:ln w="9525" cap="flat" cmpd="sng" algn="ctr">
+        <a:solidFill>
+          <a:schemeClr val="tx1">
+            <a:lumMod val="15000"/>
+            <a:lumOff val="85000"/>
+          </a:schemeClr>
+        </a:solidFill>
+        <a:round/>
+      </a:ln>
+    </cs:spPr>
+    <cs:defRPr sz="1197" kern="1200"/>
+  </cs:dataTable>
+  <cs:downBar>
+    <cs:lnRef idx="0"/>
+    <cs:fillRef idx="0"/>
+    <cs:effectRef idx="0"/>
+    <cs:fontRef idx="minor">
+      <a:schemeClr val="dk1"/>
+    </cs:fontRef>
+    <cs:spPr>
+      <a:solidFill>
+        <a:schemeClr val="dk1">
+          <a:lumMod val="65000"/>
+          <a:lumOff val="35000"/>
+        </a:schemeClr>
+      </a:solidFill>
+      <a:ln w="9525">
+        <a:solidFill>
+          <a:schemeClr val="tx1">
+            <a:lumMod val="65000"/>
+            <a:lumOff val="35000"/>
+          </a:schemeClr>
+        </a:solidFill>
+      </a:ln>
+    </cs:spPr>
+  </cs:downBar>
+  <cs:dropLine>
+    <cs:lnRef idx="0"/>
+    <cs:fillRef idx="0"/>
+    <cs:effectRef idx="0"/>
+    <cs:fontRef idx="minor">
+      <a:schemeClr val="tx1"/>
+    </cs:fontRef>
+    <cs:spPr>
+      <a:ln w="9525" cap="flat" cmpd="sng" algn="ctr">
+        <a:solidFill>
+          <a:schemeClr val="tx1">
+            <a:lumMod val="35000"/>
+            <a:lumOff val="65000"/>
+          </a:schemeClr>
+        </a:solidFill>
+        <a:round/>
+      </a:ln>
+    </cs:spPr>
+  </cs:dropLine>
+  <cs:errorBar>
+    <cs:lnRef idx="0"/>
+    <cs:fillRef idx="0"/>
+    <cs:effectRef idx="0"/>
+    <cs:fontRef idx="minor">
+      <a:schemeClr val="tx1"/>
+    </cs:fontRef>
+    <cs:spPr>
+      <a:ln w="9525" cap="flat" cmpd="sng" algn="ctr">
+        <a:solidFill>
+          <a:schemeClr val="tx1">
+            <a:lumMod val="65000"/>
+            <a:lumOff val="35000"/>
+          </a:schemeClr>
+        </a:solidFill>
+        <a:round/>
+      </a:ln>
+    </cs:spPr>
+  </cs:errorBar>
+  <cs:floor>
+    <cs:lnRef idx="0"/>
+    <cs:fillRef idx="0"/>
+    <cs:effectRef idx="0"/>
+    <cs:fontRef idx="minor">
+      <a:schemeClr val="tx1"/>
+    </cs:fontRef>
+    <cs:spPr>
+      <a:noFill/>
+      <a:ln>
+        <a:noFill/>
+      </a:ln>
+    </cs:spPr>
+  </cs:floor>
+  <cs:gridlineMajor>
+    <cs:lnRef idx="0"/>
+    <cs:fillRef idx="0"/>
+    <cs:effectRef idx="0"/>
+    <cs:fontRef idx="minor">
+      <a:schemeClr val="tx1"/>
+    </cs:fontRef>
+    <cs:spPr>
+      <a:ln w="9525" cap="flat" cmpd="sng" algn="ctr">
+        <a:solidFill>
+          <a:schemeClr val="tx1">
+            <a:lumMod val="15000"/>
+            <a:lumOff val="85000"/>
+          </a:schemeClr>
+        </a:solidFill>
+        <a:round/>
+      </a:ln>
+    </cs:spPr>
+  </cs:gridlineMajor>
+  <cs:gridlineMinor>
+    <cs:lnRef idx="0"/>
+    <cs:fillRef idx="0"/>
+    <cs:effectRef idx="0"/>
+    <cs:fontRef idx="minor">
+      <a:schemeClr val="tx1"/>
+    </cs:fontRef>
+    <cs:spPr>
+      <a:ln w="9525" cap="flat" cmpd="sng" algn="ctr">
+        <a:solidFill>
+          <a:schemeClr val="tx1">
+            <a:lumMod val="5000"/>
+            <a:lumOff val="95000"/>
+          </a:schemeClr>
+        </a:solidFill>
+        <a:round/>
+      </a:ln>
+    </cs:spPr>
+  </cs:gridlineMinor>
+  <cs:hiLoLine>
+    <cs:lnRef idx="0"/>
+    <cs:fillRef idx="0"/>
+    <cs:effectRef idx="0"/>
+    <cs:fontRef idx="minor">
+      <a:schemeClr val="tx1"/>
+    </cs:fontRef>
+    <cs:spPr>
+      <a:ln w="9525" cap="flat" cmpd="sng" algn="ctr">
+        <a:solidFill>
+          <a:schemeClr val="tx1">
+            <a:lumMod val="75000"/>
+            <a:lumOff val="25000"/>
+          </a:schemeClr>
+        </a:solidFill>
+        <a:round/>
+      </a:ln>
+    </cs:spPr>
+  </cs:hiLoLine>
+  <cs:leaderLine>
+    <cs:lnRef idx="0"/>
+    <cs:fillRef idx="0"/>
+    <cs:effectRef idx="0"/>
+    <cs:fontRef idx="minor">
+      <a:schemeClr val="tx1"/>
+    </cs:fontRef>
+    <cs:spPr>
+      <a:ln w="9525" cap="flat" cmpd="sng" algn="ctr">
+        <a:solidFill>
+          <a:schemeClr val="tx1">
+            <a:lumMod val="35000"/>
+            <a:lumOff val="65000"/>
+          </a:schemeClr>
+        </a:solidFill>
+        <a:round/>
+      </a:ln>
+    </cs:spPr>
+  </cs:leaderLine>
+  <cs:legend>
+    <cs:lnRef idx="0"/>
+    <cs:fillRef idx="0"/>
+    <cs:effectRef idx="0"/>
+    <cs:fontRef idx="minor">
+      <a:schemeClr val="tx1">
+        <a:lumMod val="65000"/>
+        <a:lumOff val="35000"/>
+      </a:schemeClr>
+    </cs:fontRef>
+    <cs:defRPr sz="1197" kern="1200"/>
+  </cs:legend>
+  <cs:plotArea mods="allowNoFillOverride allowNoLineOverride">
+    <cs:lnRef idx="0"/>
+    <cs:fillRef idx="0"/>
+    <cs:effectRef idx="0"/>
+    <cs:fontRef idx="minor">
+      <a:schemeClr val="tx1"/>
+    </cs:fontRef>
+  </cs:plotArea>
+  <cs:plotArea3D mods="allowNoFillOverride allowNoLineOverride">
+    <cs:lnRef idx="0"/>
+    <cs:fillRef idx="0"/>
+    <cs:effectRef idx="0"/>
+    <cs:fontRef idx="minor">
+      <a:schemeClr val="tx1"/>
+    </cs:fontRef>
+  </cs:plotArea3D>
+  <cs:seriesAxis>
+    <cs:lnRef idx="0"/>
+    <cs:fillRef idx="0"/>
+    <cs:effectRef idx="0"/>
+    <cs:fontRef idx="minor">
+      <a:schemeClr val="tx1">
+        <a:lumMod val="65000"/>
+        <a:lumOff val="35000"/>
+      </a:schemeClr>
+    </cs:fontRef>
+    <cs:defRPr sz="1197" kern="1200"/>
+  </cs:seriesAxis>
+  <cs:seriesLine>
+    <cs:lnRef idx="0"/>
+    <cs:fillRef idx="0"/>
+    <cs:effectRef idx="0"/>
+    <cs:fontRef idx="minor">
+      <a:schemeClr val="tx1"/>
+    </cs:fontRef>
+    <cs:spPr>
+      <a:ln w="9525" cap="flat" cmpd="sng" algn="ctr">
+        <a:solidFill>
+          <a:schemeClr val="tx1">
+            <a:lumMod val="35000"/>
+            <a:lumOff val="65000"/>
+          </a:schemeClr>
+        </a:solidFill>
+        <a:round/>
+      </a:ln>
+    </cs:spPr>
+  </cs:seriesLine>
+  <cs:title>
+    <cs:lnRef idx="0"/>
+    <cs:fillRef idx="0"/>
+    <cs:effectRef idx="0"/>
+    <cs:fontRef idx="minor">
+      <a:schemeClr val="tx1">
+        <a:lumMod val="65000"/>
+        <a:lumOff val="35000"/>
+      </a:schemeClr>
+    </cs:fontRef>
+    <cs:defRPr sz="1862" b="0" kern="1200" spc="0" baseline="0"/>
+  </cs:title>
+  <cs:trendline>
+    <cs:lnRef idx="0">
+      <cs:styleClr val="auto"/>
+    </cs:lnRef>
+    <cs:fillRef idx="0"/>
+    <cs:effectRef idx="0"/>
+    <cs:fontRef idx="minor">
+      <a:schemeClr val="tx1"/>
+    </cs:fontRef>
+    <cs:spPr>
+      <a:ln w="19050" cap="rnd">
+        <a:solidFill>
+          <a:schemeClr val="phClr"/>
+        </a:solidFill>
+        <a:prstDash val="sysDot"/>
+      </a:ln>
+    </cs:spPr>
+  </cs:trendline>
+  <cs:trendlineLabel>
+    <cs:lnRef idx="0"/>
+    <cs:fillRef idx="0"/>
+    <cs:effectRef idx="0"/>
+    <cs:fontRef idx="minor">
+      <a:schemeClr val="tx1">
+        <a:lumMod val="65000"/>
+        <a:lumOff val="35000"/>
+      </a:schemeClr>
+    </cs:fontRef>
+    <cs:defRPr sz="1197" kern="1200"/>
+  </cs:trendlineLabel>
+  <cs:upBar>
+    <cs:lnRef idx="0"/>
+    <cs:fillRef idx="0"/>
+    <cs:effectRef idx="0"/>
+    <cs:fontRef idx="minor">
+      <a:schemeClr val="dk1"/>
+    </cs:fontRef>
+    <cs:spPr>
+      <a:solidFill>
+        <a:schemeClr val="lt1"/>
+      </a:solidFill>
+      <a:ln w="9525">
+        <a:solidFill>
+          <a:schemeClr val="tx1">
+            <a:lumMod val="15000"/>
+            <a:lumOff val="85000"/>
+          </a:schemeClr>
+        </a:solidFill>
+      </a:ln>
+    </cs:spPr>
+  </cs:upBar>
+  <cs:valueAxis>
+    <cs:lnRef idx="0"/>
+    <cs:fillRef idx="0"/>
+    <cs:effectRef idx="0"/>
+    <cs:fontRef idx="minor">
+      <a:schemeClr val="tx1">
+        <a:lumMod val="65000"/>
+        <a:lumOff val="35000"/>
+      </a:schemeClr>
+    </cs:fontRef>
+    <cs:defRPr sz="1197" kern="1200"/>
+  </cs:valueAxis>
+  <cs:wall>
+    <cs:lnRef idx="0"/>
+    <cs:fillRef idx="0"/>
+    <cs:effectRef idx="0"/>
+    <cs:fontRef idx="minor">
+      <a:schemeClr val="tx1"/>
+    </cs:fontRef>
+    <cs:spPr>
+      <a:noFill/>
+      <a:ln>
+        <a:noFill/>
+      </a:ln>
+    </cs:spPr>
+  </cs:wall>
+</cs:chartStyle>
+</file>
+
+<file path=ppt/charts/style5.xml><?xml version="1.0" encoding="utf-8"?>
+<cs:chartStyle xmlns:cs="http://schemas.microsoft.com/office/drawing/2012/chartStyle" xmlns:a="http://schemas.openxmlformats.org/drawingml/2006/main" id="332">
+  <cs:axisTitle>
+    <cs:lnRef idx="0"/>
+    <cs:fillRef idx="0"/>
+    <cs:effectRef idx="0"/>
+    <cs:fontRef idx="minor">
+      <a:schemeClr val="tx1">
+        <a:lumMod val="65000"/>
+        <a:lumOff val="35000"/>
+      </a:schemeClr>
+    </cs:fontRef>
+    <cs:defRPr sz="1330" kern="1200"/>
+  </cs:axisTitle>
+  <cs:categoryAxis>
+    <cs:lnRef idx="0"/>
+    <cs:fillRef idx="0"/>
+    <cs:effectRef idx="0"/>
+    <cs:fontRef idx="minor">
+      <a:schemeClr val="tx1">
+        <a:lumMod val="65000"/>
+        <a:lumOff val="35000"/>
+      </a:schemeClr>
+    </cs:fontRef>
+    <cs:spPr>
+      <a:ln w="9525" cap="flat" cmpd="sng" algn="ctr">
+        <a:solidFill>
+          <a:schemeClr val="tx1">
+            <a:lumMod val="15000"/>
+            <a:lumOff val="85000"/>
+          </a:schemeClr>
+        </a:solidFill>
+        <a:round/>
+      </a:ln>
+    </cs:spPr>
+    <cs:defRPr sz="1197" kern="1200"/>
+  </cs:categoryAxis>
+  <cs:chartArea mods="allowNoFillOverride allowNoLineOverride">
+    <cs:lnRef idx="0"/>
+    <cs:fillRef idx="0"/>
+    <cs:effectRef idx="0"/>
+    <cs:fontRef idx="minor">
+      <a:schemeClr val="tx1"/>
+    </cs:fontRef>
+    <cs:spPr>
+      <a:solidFill>
+        <a:schemeClr val="bg1"/>
+      </a:solidFill>
+      <a:ln w="9525" cap="flat" cmpd="sng" algn="ctr">
+        <a:solidFill>
+          <a:schemeClr val="tx1">
+            <a:lumMod val="15000"/>
+            <a:lumOff val="85000"/>
+          </a:schemeClr>
+        </a:solidFill>
+        <a:round/>
+      </a:ln>
+    </cs:spPr>
+    <cs:defRPr sz="1330" kern="1200"/>
+  </cs:chartArea>
+  <cs:dataLabel>
+    <cs:lnRef idx="0"/>
+    <cs:fillRef idx="0"/>
+    <cs:effectRef idx="0"/>
+    <cs:fontRef idx="minor">
+      <a:schemeClr val="tx1">
+        <a:lumMod val="75000"/>
+        <a:lumOff val="25000"/>
+      </a:schemeClr>
+    </cs:fontRef>
+    <cs:defRPr sz="1197" kern="1200"/>
+  </cs:dataLabel>
+  <cs:dataLabelCallout>
+    <cs:lnRef idx="0"/>
+    <cs:fillRef idx="0"/>
+    <cs:effectRef idx="0"/>
+    <cs:fontRef idx="minor">
+      <a:schemeClr val="dk1">
+        <a:lumMod val="65000"/>
+        <a:lumOff val="35000"/>
+      </a:schemeClr>
+    </cs:fontRef>
+    <cs:spPr>
+      <a:solidFill>
+        <a:schemeClr val="lt1"/>
+      </a:solidFill>
+      <a:ln>
+        <a:solidFill>
+          <a:schemeClr val="dk1">
+            <a:lumMod val="25000"/>
+            <a:lumOff val="75000"/>
+          </a:schemeClr>
+        </a:solidFill>
+      </a:ln>
+    </cs:spPr>
+    <cs:defRPr sz="1197" kern="1200"/>
+    <cs:bodyPr rot="0" spcFirstLastPara="1" vertOverflow="clip" horzOverflow="clip" vert="horz" wrap="square" lIns="36576" tIns="18288" rIns="36576" bIns="18288" anchor="ctr" anchorCtr="1">
+      <a:spAutoFit/>
+    </cs:bodyPr>
+  </cs:dataLabelCallout>
+  <cs:dataPoint>
+    <cs:lnRef idx="0"/>
+    <cs:fillRef idx="1">
+      <cs:styleClr val="auto"/>
+    </cs:fillRef>
+    <cs:effectRef idx="0"/>
+    <cs:fontRef idx="minor">
+      <a:schemeClr val="tx1"/>
+    </cs:fontRef>
+  </cs:dataPoint>
+  <cs:dataPoint3D>
+    <cs:lnRef idx="0"/>
+    <cs:fillRef idx="1">
+      <cs:styleClr val="auto"/>
+    </cs:fillRef>
+    <cs:effectRef idx="0"/>
+    <cs:fontRef idx="minor">
+      <a:schemeClr val="tx1"/>
+    </cs:fontRef>
+  </cs:dataPoint3D>
+  <cs:dataPointLine>
+    <cs:lnRef idx="0">
+      <cs:styleClr val="auto"/>
+    </cs:lnRef>
+    <cs:fillRef idx="1"/>
+    <cs:effectRef idx="0"/>
+    <cs:fontRef idx="minor">
+      <a:schemeClr val="tx1"/>
+    </cs:fontRef>
+    <cs:spPr>
+      <a:ln w="28575" cap="rnd">
+        <a:solidFill>
+          <a:schemeClr val="phClr"/>
+        </a:solidFill>
+        <a:round/>
+      </a:ln>
+    </cs:spPr>
+  </cs:dataPointLine>
+  <cs:dataPointMarker>
+    <cs:lnRef idx="0">
+      <cs:styleClr val="auto"/>
+    </cs:lnRef>
+    <cs:fillRef idx="1">
+      <cs:styleClr val="auto"/>
+    </cs:fillRef>
+    <cs:effectRef idx="0"/>
+    <cs:fontRef idx="minor">
+      <a:schemeClr val="tx1"/>
+    </cs:fontRef>
+    <cs:spPr>
+      <a:ln w="9525">
+        <a:solidFill>
+          <a:schemeClr val="phClr"/>
+        </a:solidFill>
+      </a:ln>
+    </cs:spPr>
+  </cs:dataPointMarker>
+  <cs:dataPointMarkerLayout symbol="circle" size="5"/>
+  <cs:dataPointWireframe>
+    <cs:lnRef idx="0">
+      <cs:styleClr val="auto"/>
+    </cs:lnRef>
+    <cs:fillRef idx="1"/>
+    <cs:effectRef idx="0"/>
+    <cs:fontRef idx="minor">
+      <a:schemeClr val="tx1"/>
+    </cs:fontRef>
+    <cs:spPr>
+      <a:ln w="9525" cap="rnd">
+        <a:solidFill>
+          <a:schemeClr val="phClr"/>
+        </a:solidFill>
+        <a:round/>
+      </a:ln>
+    </cs:spPr>
+  </cs:dataPointWireframe>
+  <cs:dataTable>
+    <cs:lnRef idx="0"/>
+    <cs:fillRef idx="0"/>
+    <cs:effectRef idx="0"/>
+    <cs:fontRef idx="minor">
+      <a:schemeClr val="tx1">
+        <a:lumMod val="65000"/>
+        <a:lumOff val="35000"/>
+      </a:schemeClr>
+    </cs:fontRef>
+    <cs:spPr>
+      <a:noFill/>
+      <a:ln w="9525" cap="flat" cmpd="sng" algn="ctr">
+        <a:solidFill>
+          <a:schemeClr val="tx1">
+            <a:lumMod val="15000"/>
+            <a:lumOff val="85000"/>
+          </a:schemeClr>
+        </a:solidFill>
+        <a:round/>
+      </a:ln>
+    </cs:spPr>
+    <cs:defRPr sz="1197" kern="1200"/>
+  </cs:dataTable>
+  <cs:downBar>
+    <cs:lnRef idx="0"/>
+    <cs:fillRef idx="0"/>
+    <cs:effectRef idx="0"/>
+    <cs:fontRef idx="minor">
+      <a:schemeClr val="dk1"/>
+    </cs:fontRef>
+    <cs:spPr>
+      <a:solidFill>
+        <a:schemeClr val="dk1">
+          <a:lumMod val="65000"/>
+          <a:lumOff val="35000"/>
+        </a:schemeClr>
+      </a:solidFill>
+      <a:ln w="9525">
+        <a:solidFill>
+          <a:schemeClr val="tx1">
+            <a:lumMod val="65000"/>
+            <a:lumOff val="35000"/>
+          </a:schemeClr>
+        </a:solidFill>
+      </a:ln>
+    </cs:spPr>
+  </cs:downBar>
+  <cs:dropLine>
+    <cs:lnRef idx="0"/>
+    <cs:fillRef idx="0"/>
+    <cs:effectRef idx="0"/>
+    <cs:fontRef idx="minor">
+      <a:schemeClr val="tx1"/>
+    </cs:fontRef>
+    <cs:spPr>
+      <a:ln w="9525" cap="flat" cmpd="sng" algn="ctr">
+        <a:solidFill>
+          <a:schemeClr val="tx1">
+            <a:lumMod val="35000"/>
+            <a:lumOff val="65000"/>
+          </a:schemeClr>
+        </a:solidFill>
+        <a:round/>
+      </a:ln>
+    </cs:spPr>
+  </cs:dropLine>
+  <cs:errorBar>
+    <cs:lnRef idx="0"/>
+    <cs:fillRef idx="0"/>
+    <cs:effectRef idx="0"/>
+    <cs:fontRef idx="minor">
+      <a:schemeClr val="tx1"/>
+    </cs:fontRef>
+    <cs:spPr>
+      <a:ln w="9525" cap="flat" cmpd="sng" algn="ctr">
+        <a:solidFill>
+          <a:schemeClr val="tx1">
+            <a:lumMod val="65000"/>
+            <a:lumOff val="35000"/>
+          </a:schemeClr>
+        </a:solidFill>
+        <a:round/>
+      </a:ln>
+    </cs:spPr>
+  </cs:errorBar>
+  <cs:floor>
+    <cs:lnRef idx="0"/>
+    <cs:fillRef idx="0"/>
+    <cs:effectRef idx="0"/>
+    <cs:fontRef idx="minor">
+      <a:schemeClr val="tx1"/>
+    </cs:fontRef>
+    <cs:spPr>
+      <a:noFill/>
+      <a:ln>
+        <a:noFill/>
+      </a:ln>
+    </cs:spPr>
+  </cs:floor>
+  <cs:gridlineMajor>
+    <cs:lnRef idx="0"/>
+    <cs:fillRef idx="0"/>
+    <cs:effectRef idx="0"/>
+    <cs:fontRef idx="minor">
+      <a:schemeClr val="tx1"/>
+    </cs:fontRef>
+    <cs:spPr>
+      <a:ln w="9525" cap="flat" cmpd="sng" algn="ctr">
+        <a:solidFill>
+          <a:schemeClr val="tx1">
+            <a:lumMod val="15000"/>
+            <a:lumOff val="85000"/>
+          </a:schemeClr>
+        </a:solidFill>
+        <a:round/>
+      </a:ln>
+    </cs:spPr>
+  </cs:gridlineMajor>
+  <cs:gridlineMinor>
+    <cs:lnRef idx="0"/>
+    <cs:fillRef idx="0"/>
+    <cs:effectRef idx="0"/>
+    <cs:fontRef idx="minor">
+      <a:schemeClr val="tx1"/>
+    </cs:fontRef>
+    <cs:spPr>
+      <a:ln w="9525" cap="flat" cmpd="sng" algn="ctr">
+        <a:solidFill>
+          <a:schemeClr val="tx1">
+            <a:lumMod val="5000"/>
+            <a:lumOff val="95000"/>
+          </a:schemeClr>
+        </a:solidFill>
+        <a:round/>
+      </a:ln>
+    </cs:spPr>
+  </cs:gridlineMinor>
+  <cs:hiLoLine>
+    <cs:lnRef idx="0"/>
+    <cs:fillRef idx="0"/>
+    <cs:effectRef idx="0"/>
+    <cs:fontRef idx="minor">
+      <a:schemeClr val="tx1"/>
+    </cs:fontRef>
+    <cs:spPr>
+      <a:ln w="9525" cap="flat" cmpd="sng" algn="ctr">
+        <a:solidFill>
+          <a:schemeClr val="tx1">
+            <a:lumMod val="75000"/>
+            <a:lumOff val="25000"/>
+          </a:schemeClr>
+        </a:solidFill>
+        <a:round/>
+      </a:ln>
+    </cs:spPr>
+  </cs:hiLoLine>
+  <cs:leaderLine>
+    <cs:lnRef idx="0"/>
+    <cs:fillRef idx="0"/>
+    <cs:effectRef idx="0"/>
+    <cs:fontRef idx="minor">
+      <a:schemeClr val="tx1"/>
+    </cs:fontRef>
+    <cs:spPr>
+      <a:ln w="9525" cap="flat" cmpd="sng" algn="ctr">
+        <a:solidFill>
+          <a:schemeClr val="tx1">
+            <a:lumMod val="35000"/>
+            <a:lumOff val="65000"/>
+          </a:schemeClr>
+        </a:solidFill>
+        <a:round/>
+      </a:ln>
+    </cs:spPr>
+  </cs:leaderLine>
+  <cs:legend>
+    <cs:lnRef idx="0"/>
+    <cs:fillRef idx="0"/>
+    <cs:effectRef idx="0"/>
+    <cs:fontRef idx="minor">
+      <a:schemeClr val="tx1">
+        <a:lumMod val="65000"/>
+        <a:lumOff val="35000"/>
+      </a:schemeClr>
+    </cs:fontRef>
+    <cs:defRPr sz="1197" kern="1200"/>
+  </cs:legend>
+  <cs:plotArea mods="allowNoFillOverride allowNoLineOverride">
+    <cs:lnRef idx="0"/>
+    <cs:fillRef idx="0"/>
+    <cs:effectRef idx="0"/>
+    <cs:fontRef idx="minor">
+      <a:schemeClr val="tx1"/>
+    </cs:fontRef>
+  </cs:plotArea>
+  <cs:plotArea3D mods="allowNoFillOverride allowNoLineOverride">
+    <cs:lnRef idx="0"/>
+    <cs:fillRef idx="0"/>
+    <cs:effectRef idx="0"/>
+    <cs:fontRef idx="minor">
+      <a:schemeClr val="tx1"/>
+    </cs:fontRef>
+  </cs:plotArea3D>
+  <cs:seriesAxis>
+    <cs:lnRef idx="0"/>
+    <cs:fillRef idx="0"/>
+    <cs:effectRef idx="0"/>
+    <cs:fontRef idx="minor">
+      <a:schemeClr val="tx1">
+        <a:lumMod val="65000"/>
+        <a:lumOff val="35000"/>
+      </a:schemeClr>
+    </cs:fontRef>
+    <cs:defRPr sz="1197" kern="1200"/>
+  </cs:seriesAxis>
+  <cs:seriesLine>
+    <cs:lnRef idx="0"/>
+    <cs:fillRef idx="0"/>
+    <cs:effectRef idx="0"/>
+    <cs:fontRef idx="minor">
+      <a:schemeClr val="tx1"/>
+    </cs:fontRef>
+    <cs:spPr>
+      <a:ln w="9525" cap="flat" cmpd="sng" algn="ctr">
+        <a:solidFill>
+          <a:schemeClr val="tx1">
+            <a:lumMod val="35000"/>
+            <a:lumOff val="65000"/>
+          </a:schemeClr>
+        </a:solidFill>
+        <a:round/>
+      </a:ln>
+    </cs:spPr>
+  </cs:seriesLine>
+  <cs:title>
+    <cs:lnRef idx="0"/>
+    <cs:fillRef idx="0"/>
+    <cs:effectRef idx="0"/>
+    <cs:fontRef idx="minor">
+      <a:schemeClr val="tx1">
+        <a:lumMod val="65000"/>
+        <a:lumOff val="35000"/>
+      </a:schemeClr>
+    </cs:fontRef>
+    <cs:defRPr sz="1862" b="0" kern="1200" spc="0" baseline="0"/>
+  </cs:title>
+  <cs:trendline>
+    <cs:lnRef idx="0">
+      <cs:styleClr val="auto"/>
+    </cs:lnRef>
+    <cs:fillRef idx="0"/>
+    <cs:effectRef idx="0"/>
+    <cs:fontRef idx="minor">
+      <a:schemeClr val="tx1"/>
+    </cs:fontRef>
+    <cs:spPr>
+      <a:ln w="19050" cap="rnd">
+        <a:solidFill>
+          <a:schemeClr val="phClr"/>
+        </a:solidFill>
+        <a:prstDash val="sysDot"/>
+      </a:ln>
+    </cs:spPr>
+  </cs:trendline>
+  <cs:trendlineLabel>
+    <cs:lnRef idx="0"/>
+    <cs:fillRef idx="0"/>
+    <cs:effectRef idx="0"/>
+    <cs:fontRef idx="minor">
+      <a:schemeClr val="tx1">
+        <a:lumMod val="65000"/>
+        <a:lumOff val="35000"/>
+      </a:schemeClr>
+    </cs:fontRef>
+    <cs:defRPr sz="1197" kern="1200"/>
+  </cs:trendlineLabel>
+  <cs:upBar>
+    <cs:lnRef idx="0"/>
+    <cs:fillRef idx="0"/>
+    <cs:effectRef idx="0"/>
+    <cs:fontRef idx="minor">
+      <a:schemeClr val="dk1"/>
+    </cs:fontRef>
+    <cs:spPr>
+      <a:solidFill>
+        <a:schemeClr val="lt1"/>
+      </a:solidFill>
+      <a:ln w="9525">
+        <a:solidFill>
+          <a:schemeClr val="tx1">
+            <a:lumMod val="15000"/>
+            <a:lumOff val="85000"/>
+          </a:schemeClr>
+        </a:solidFill>
+      </a:ln>
+    </cs:spPr>
+  </cs:upBar>
+  <cs:valueAxis>
+    <cs:lnRef idx="0"/>
+    <cs:fillRef idx="0"/>
+    <cs:effectRef idx="0"/>
+    <cs:fontRef idx="minor">
+      <a:schemeClr val="tx1">
+        <a:lumMod val="65000"/>
+        <a:lumOff val="35000"/>
+      </a:schemeClr>
+    </cs:fontRef>
+    <cs:defRPr sz="1197" kern="1200"/>
+  </cs:valueAxis>
+  <cs:wall>
+    <cs:lnRef idx="0"/>
+    <cs:fillRef idx="0"/>
+    <cs:effectRef idx="0"/>
+    <cs:fontRef idx="minor">
+      <a:schemeClr val="tx1"/>
+    </cs:fontRef>
+    <cs:spPr>
+      <a:noFill/>
+      <a:ln>
+        <a:noFill/>
+      </a:ln>
+    </cs:spPr>
+  </cs:wall>
+</cs:chartStyle>
+</file>
+
+<file path=ppt/charts/style6.xml><?xml version="1.0" encoding="utf-8"?>
 <cs:chartStyle xmlns:cs="http://schemas.microsoft.com/office/drawing/2012/chartStyle" xmlns:a="http://schemas.openxmlformats.org/drawingml/2006/main" id="332">
   <cs:axisTitle>
     <cs:lnRef idx="0"/>
@@ -7427,7 +11146,7 @@
     </p:spTree>
     <p:extLst>
       <p:ext uri="{BB962C8B-B14F-4D97-AF65-F5344CB8AC3E}">
-        <p14:creationId xmlns:p14="http://schemas.microsoft.com/office/powerpoint/2010/main" val="2399415356"/>
+        <p14:creationId xmlns:p14="http://schemas.microsoft.com/office/powerpoint/2010/main" val="2155105459"/>
       </p:ext>
     </p:extLst>
   </p:cSld>
@@ -7502,7 +11221,91 @@
           <a:p>
             <a:fld id="{4FA2FA83-EF89-4A0B-80C8-FD112F1978BC}" type="slidenum">
               <a:rPr lang="zh-CN" altLang="en-US" smtClean="0"/>
-              <a:t>6</a:t>
+              <a:t>7</a:t>
+            </a:fld>
+            <a:endParaRPr lang="zh-CN" altLang="en-US"/>
+          </a:p>
+        </p:txBody>
+      </p:sp>
+    </p:spTree>
+    <p:extLst>
+      <p:ext uri="{BB962C8B-B14F-4D97-AF65-F5344CB8AC3E}">
+        <p14:creationId xmlns:p14="http://schemas.microsoft.com/office/powerpoint/2010/main" val="2399415356"/>
+      </p:ext>
+    </p:extLst>
+  </p:cSld>
+  <p:clrMapOvr>
+    <a:masterClrMapping/>
+  </p:clrMapOvr>
+</p:notes>
+</file>
+
+<file path=ppt/notesSlides/notesSlide5.xml><?xml version="1.0" encoding="utf-8"?>
+<p:notes xmlns:a="http://schemas.openxmlformats.org/drawingml/2006/main" xmlns:r="http://schemas.openxmlformats.org/officeDocument/2006/relationships" xmlns:p="http://schemas.openxmlformats.org/presentationml/2006/main">
+  <p:cSld>
+    <p:spTree>
+      <p:nvGrpSpPr>
+        <p:cNvPr id="1" name=""/>
+        <p:cNvGrpSpPr/>
+        <p:nvPr/>
+      </p:nvGrpSpPr>
+      <p:grpSpPr>
+        <a:xfrm>
+          <a:off x="0" y="0"/>
+          <a:ext cx="0" cy="0"/>
+          <a:chOff x="0" y="0"/>
+          <a:chExt cx="0" cy="0"/>
+        </a:xfrm>
+      </p:grpSpPr>
+      <p:sp>
+        <p:nvSpPr>
+          <p:cNvPr id="2" name="幻灯片图像占位符 1"/>
+          <p:cNvSpPr>
+            <a:spLocks noGrp="1" noRot="1" noChangeAspect="1"/>
+          </p:cNvSpPr>
+          <p:nvPr>
+            <p:ph type="sldImg"/>
+          </p:nvPr>
+        </p:nvSpPr>
+        <p:spPr/>
+      </p:sp>
+      <p:sp>
+        <p:nvSpPr>
+          <p:cNvPr id="3" name="备注占位符 2"/>
+          <p:cNvSpPr>
+            <a:spLocks noGrp="1"/>
+          </p:cNvSpPr>
+          <p:nvPr>
+            <p:ph type="body" idx="1"/>
+          </p:nvPr>
+        </p:nvSpPr>
+        <p:spPr/>
+        <p:txBody>
+          <a:bodyPr/>
+          <a:lstStyle/>
+          <a:p>
+            <a:endParaRPr lang="zh-CN" altLang="en-US" dirty="0"/>
+          </a:p>
+        </p:txBody>
+      </p:sp>
+      <p:sp>
+        <p:nvSpPr>
+          <p:cNvPr id="4" name="灯片编号占位符 3"/>
+          <p:cNvSpPr>
+            <a:spLocks noGrp="1"/>
+          </p:cNvSpPr>
+          <p:nvPr>
+            <p:ph type="sldNum" sz="quarter" idx="5"/>
+          </p:nvPr>
+        </p:nvSpPr>
+        <p:spPr/>
+        <p:txBody>
+          <a:bodyPr/>
+          <a:lstStyle/>
+          <a:p>
+            <a:fld id="{4FA2FA83-EF89-4A0B-80C8-FD112F1978BC}" type="slidenum">
+              <a:rPr lang="zh-CN" altLang="en-US" smtClean="0"/>
+              <a:t>8</a:t>
             </a:fld>
             <a:endParaRPr lang="zh-CN" altLang="en-US"/>
           </a:p>
@@ -7512,6 +11315,90 @@
     <p:extLst>
       <p:ext uri="{BB962C8B-B14F-4D97-AF65-F5344CB8AC3E}">
         <p14:creationId xmlns:p14="http://schemas.microsoft.com/office/powerpoint/2010/main" val="4219972928"/>
+      </p:ext>
+    </p:extLst>
+  </p:cSld>
+  <p:clrMapOvr>
+    <a:masterClrMapping/>
+  </p:clrMapOvr>
+</p:notes>
+</file>
+
+<file path=ppt/notesSlides/notesSlide6.xml><?xml version="1.0" encoding="utf-8"?>
+<p:notes xmlns:a="http://schemas.openxmlformats.org/drawingml/2006/main" xmlns:r="http://schemas.openxmlformats.org/officeDocument/2006/relationships" xmlns:p="http://schemas.openxmlformats.org/presentationml/2006/main">
+  <p:cSld>
+    <p:spTree>
+      <p:nvGrpSpPr>
+        <p:cNvPr id="1" name=""/>
+        <p:cNvGrpSpPr/>
+        <p:nvPr/>
+      </p:nvGrpSpPr>
+      <p:grpSpPr>
+        <a:xfrm>
+          <a:off x="0" y="0"/>
+          <a:ext cx="0" cy="0"/>
+          <a:chOff x="0" y="0"/>
+          <a:chExt cx="0" cy="0"/>
+        </a:xfrm>
+      </p:grpSpPr>
+      <p:sp>
+        <p:nvSpPr>
+          <p:cNvPr id="2" name="幻灯片图像占位符 1"/>
+          <p:cNvSpPr>
+            <a:spLocks noGrp="1" noRot="1" noChangeAspect="1"/>
+          </p:cNvSpPr>
+          <p:nvPr>
+            <p:ph type="sldImg"/>
+          </p:nvPr>
+        </p:nvSpPr>
+        <p:spPr/>
+      </p:sp>
+      <p:sp>
+        <p:nvSpPr>
+          <p:cNvPr id="3" name="备注占位符 2"/>
+          <p:cNvSpPr>
+            <a:spLocks noGrp="1"/>
+          </p:cNvSpPr>
+          <p:nvPr>
+            <p:ph type="body" idx="1"/>
+          </p:nvPr>
+        </p:nvSpPr>
+        <p:spPr/>
+        <p:txBody>
+          <a:bodyPr/>
+          <a:lstStyle/>
+          <a:p>
+            <a:endParaRPr lang="zh-CN" altLang="en-US" dirty="0"/>
+          </a:p>
+        </p:txBody>
+      </p:sp>
+      <p:sp>
+        <p:nvSpPr>
+          <p:cNvPr id="4" name="灯片编号占位符 3"/>
+          <p:cNvSpPr>
+            <a:spLocks noGrp="1"/>
+          </p:cNvSpPr>
+          <p:nvPr>
+            <p:ph type="sldNum" sz="quarter" idx="5"/>
+          </p:nvPr>
+        </p:nvSpPr>
+        <p:spPr/>
+        <p:txBody>
+          <a:bodyPr/>
+          <a:lstStyle/>
+          <a:p>
+            <a:fld id="{4FA2FA83-EF89-4A0B-80C8-FD112F1978BC}" type="slidenum">
+              <a:rPr lang="zh-CN" altLang="en-US" smtClean="0"/>
+              <a:t>9</a:t>
+            </a:fld>
+            <a:endParaRPr lang="zh-CN" altLang="en-US"/>
+          </a:p>
+        </p:txBody>
+      </p:sp>
+    </p:spTree>
+    <p:extLst>
+      <p:ext uri="{BB962C8B-B14F-4D97-AF65-F5344CB8AC3E}">
+        <p14:creationId xmlns:p14="http://schemas.microsoft.com/office/powerpoint/2010/main" val="1446649498"/>
       </p:ext>
     </p:extLst>
   </p:cSld>
@@ -10900,6 +14787,193 @@
           <a:p>
             <a:r>
               <a:rPr lang="zh-CN" altLang="en-US" dirty="0"/>
+              <a:t>测试结果</a:t>
+            </a:r>
+          </a:p>
+        </p:txBody>
+      </p:sp>
+      <p:graphicFrame>
+        <p:nvGraphicFramePr>
+          <p:cNvPr id="7" name="内容占位符 6">
+            <a:extLst>
+              <a:ext uri="{FF2B5EF4-FFF2-40B4-BE49-F238E27FC236}">
+                <a16:creationId xmlns:a16="http://schemas.microsoft.com/office/drawing/2014/main" id="{91AA60A6-D313-4442-BFE4-AA82551050C3}"/>
+              </a:ext>
+            </a:extLst>
+          </p:cNvPr>
+          <p:cNvGraphicFramePr>
+            <a:graphicFrameLocks noGrp="1"/>
+          </p:cNvGraphicFramePr>
+          <p:nvPr>
+            <p:ph idx="1"/>
+            <p:extLst>
+              <p:ext uri="{D42A27DB-BD31-4B8C-83A1-F6EECF244321}">
+                <p14:modId xmlns:p14="http://schemas.microsoft.com/office/powerpoint/2010/main" val="2487030013"/>
+              </p:ext>
+            </p:extLst>
+          </p:nvPr>
+        </p:nvGraphicFramePr>
+        <p:xfrm>
+          <a:off x="838200" y="1411550"/>
+          <a:ext cx="10515600" cy="4765413"/>
+        </p:xfrm>
+        <a:graphic>
+          <a:graphicData uri="http://schemas.openxmlformats.org/drawingml/2006/chart">
+            <c:chart xmlns:c="http://schemas.openxmlformats.org/drawingml/2006/chart" xmlns:r="http://schemas.openxmlformats.org/officeDocument/2006/relationships" r:id="rId3"/>
+          </a:graphicData>
+        </a:graphic>
+      </p:graphicFrame>
+    </p:spTree>
+    <p:extLst>
+      <p:ext uri="{BB962C8B-B14F-4D97-AF65-F5344CB8AC3E}">
+        <p14:creationId xmlns:p14="http://schemas.microsoft.com/office/powerpoint/2010/main" val="4007036495"/>
+      </p:ext>
+    </p:extLst>
+  </p:cSld>
+  <p:clrMapOvr>
+    <a:masterClrMapping/>
+  </p:clrMapOvr>
+</p:sld>
+</file>
+
+<file path=ppt/slides/slide6.xml><?xml version="1.0" encoding="utf-8"?>
+<p:sld xmlns:a="http://schemas.openxmlformats.org/drawingml/2006/main" xmlns:r="http://schemas.openxmlformats.org/officeDocument/2006/relationships" xmlns:p="http://schemas.openxmlformats.org/presentationml/2006/main">
+  <p:cSld>
+    <p:spTree>
+      <p:nvGrpSpPr>
+        <p:cNvPr id="1" name=""/>
+        <p:cNvGrpSpPr/>
+        <p:nvPr/>
+      </p:nvGrpSpPr>
+      <p:grpSpPr>
+        <a:xfrm>
+          <a:off x="0" y="0"/>
+          <a:ext cx="0" cy="0"/>
+          <a:chOff x="0" y="0"/>
+          <a:chExt cx="0" cy="0"/>
+        </a:xfrm>
+      </p:grpSpPr>
+      <p:sp>
+        <p:nvSpPr>
+          <p:cNvPr id="2" name="标题 1">
+            <a:extLst>
+              <a:ext uri="{FF2B5EF4-FFF2-40B4-BE49-F238E27FC236}">
+                <a16:creationId xmlns:a16="http://schemas.microsoft.com/office/drawing/2014/main" id="{B70F3788-3DD8-4C11-B07C-670C848CF8DD}"/>
+              </a:ext>
+            </a:extLst>
+          </p:cNvPr>
+          <p:cNvSpPr>
+            <a:spLocks noGrp="1"/>
+          </p:cNvSpPr>
+          <p:nvPr>
+            <p:ph type="title"/>
+          </p:nvPr>
+        </p:nvSpPr>
+        <p:spPr/>
+        <p:txBody>
+          <a:bodyPr/>
+          <a:lstStyle/>
+          <a:p>
+            <a:r>
+              <a:rPr lang="zh-CN" altLang="en-US" dirty="0"/>
+              <a:t>新模型</a:t>
+            </a:r>
+          </a:p>
+        </p:txBody>
+      </p:sp>
+      <p:pic>
+        <p:nvPicPr>
+          <p:cNvPr id="5" name="内容占位符 4">
+            <a:extLst>
+              <a:ext uri="{FF2B5EF4-FFF2-40B4-BE49-F238E27FC236}">
+                <a16:creationId xmlns:a16="http://schemas.microsoft.com/office/drawing/2014/main" id="{9BFACFB3-544F-4808-923C-D1BB059244C9}"/>
+              </a:ext>
+            </a:extLst>
+          </p:cNvPr>
+          <p:cNvPicPr>
+            <a:picLocks noGrp="1" noChangeAspect="1"/>
+          </p:cNvPicPr>
+          <p:nvPr>
+            <p:ph idx="1"/>
+          </p:nvPr>
+        </p:nvPicPr>
+        <p:blipFill>
+          <a:blip r:embed="rId2">
+            <a:extLst>
+              <a:ext uri="{28A0092B-C50C-407E-A947-70E740481C1C}">
+                <a14:useLocalDpi xmlns:a14="http://schemas.microsoft.com/office/drawing/2010/main" val="0"/>
+              </a:ext>
+            </a:extLst>
+          </a:blip>
+          <a:stretch>
+            <a:fillRect/>
+          </a:stretch>
+        </p:blipFill>
+        <p:spPr>
+          <a:xfrm>
+            <a:off x="3920331" y="1825625"/>
+            <a:ext cx="4351338" cy="4351338"/>
+          </a:xfrm>
+        </p:spPr>
+      </p:pic>
+    </p:spTree>
+    <p:extLst>
+      <p:ext uri="{BB962C8B-B14F-4D97-AF65-F5344CB8AC3E}">
+        <p14:creationId xmlns:p14="http://schemas.microsoft.com/office/powerpoint/2010/main" val="4158320148"/>
+      </p:ext>
+    </p:extLst>
+  </p:cSld>
+  <p:clrMapOvr>
+    <a:masterClrMapping/>
+  </p:clrMapOvr>
+</p:sld>
+</file>
+
+<file path=ppt/slides/slide7.xml><?xml version="1.0" encoding="utf-8"?>
+<p:sld xmlns:a="http://schemas.openxmlformats.org/drawingml/2006/main" xmlns:r="http://schemas.openxmlformats.org/officeDocument/2006/relationships" xmlns:p="http://schemas.openxmlformats.org/presentationml/2006/main">
+  <p:cSld>
+    <p:spTree>
+      <p:nvGrpSpPr>
+        <p:cNvPr id="1" name=""/>
+        <p:cNvGrpSpPr/>
+        <p:nvPr/>
+      </p:nvGrpSpPr>
+      <p:grpSpPr>
+        <a:xfrm>
+          <a:off x="0" y="0"/>
+          <a:ext cx="0" cy="0"/>
+          <a:chOff x="0" y="0"/>
+          <a:chExt cx="0" cy="0"/>
+        </a:xfrm>
+      </p:grpSpPr>
+      <p:sp>
+        <p:nvSpPr>
+          <p:cNvPr id="2" name="标题 1">
+            <a:extLst>
+              <a:ext uri="{FF2B5EF4-FFF2-40B4-BE49-F238E27FC236}">
+                <a16:creationId xmlns:a16="http://schemas.microsoft.com/office/drawing/2014/main" id="{F1049F36-EF22-4067-BDCE-D4667586B1D6}"/>
+              </a:ext>
+            </a:extLst>
+          </p:cNvPr>
+          <p:cNvSpPr>
+            <a:spLocks noGrp="1"/>
+          </p:cNvSpPr>
+          <p:nvPr>
+            <p:ph type="title"/>
+          </p:nvPr>
+        </p:nvSpPr>
+        <p:spPr>
+          <a:xfrm>
+            <a:off x="838200" y="365126"/>
+            <a:ext cx="10515600" cy="957648"/>
+          </a:xfrm>
+        </p:spPr>
+        <p:txBody>
+          <a:bodyPr/>
+          <a:lstStyle/>
+          <a:p>
+            <a:r>
+              <a:rPr lang="zh-CN" altLang="en-US" dirty="0"/>
               <a:t>新模型测试结果</a:t>
             </a:r>
           </a:p>
@@ -10949,7 +15023,7 @@
 </p:sld>
 </file>
 
-<file path=ppt/slides/slide6.xml><?xml version="1.0" encoding="utf-8"?>
+<file path=ppt/slides/slide8.xml><?xml version="1.0" encoding="utf-8"?>
 <p:sld xmlns:a="http://schemas.openxmlformats.org/drawingml/2006/main" xmlns:r="http://schemas.openxmlformats.org/officeDocument/2006/relationships" xmlns:p="http://schemas.openxmlformats.org/presentationml/2006/main">
   <p:cSld>
     <p:spTree>
@@ -11034,6 +15108,96 @@
     <p:extLst>
       <p:ext uri="{BB962C8B-B14F-4D97-AF65-F5344CB8AC3E}">
         <p14:creationId xmlns:p14="http://schemas.microsoft.com/office/powerpoint/2010/main" val="2838364706"/>
+      </p:ext>
+    </p:extLst>
+  </p:cSld>
+  <p:clrMapOvr>
+    <a:masterClrMapping/>
+  </p:clrMapOvr>
+</p:sld>
+</file>
+
+<file path=ppt/slides/slide9.xml><?xml version="1.0" encoding="utf-8"?>
+<p:sld xmlns:a="http://schemas.openxmlformats.org/drawingml/2006/main" xmlns:r="http://schemas.openxmlformats.org/officeDocument/2006/relationships" xmlns:p="http://schemas.openxmlformats.org/presentationml/2006/main">
+  <p:cSld>
+    <p:spTree>
+      <p:nvGrpSpPr>
+        <p:cNvPr id="1" name=""/>
+        <p:cNvGrpSpPr/>
+        <p:nvPr/>
+      </p:nvGrpSpPr>
+      <p:grpSpPr>
+        <a:xfrm>
+          <a:off x="0" y="0"/>
+          <a:ext cx="0" cy="0"/>
+          <a:chOff x="0" y="0"/>
+          <a:chExt cx="0" cy="0"/>
+        </a:xfrm>
+      </p:grpSpPr>
+      <p:sp>
+        <p:nvSpPr>
+          <p:cNvPr id="2" name="标题 1">
+            <a:extLst>
+              <a:ext uri="{FF2B5EF4-FFF2-40B4-BE49-F238E27FC236}">
+                <a16:creationId xmlns:a16="http://schemas.microsoft.com/office/drawing/2014/main" id="{F1049F36-EF22-4067-BDCE-D4667586B1D6}"/>
+              </a:ext>
+            </a:extLst>
+          </p:cNvPr>
+          <p:cNvSpPr>
+            <a:spLocks noGrp="1"/>
+          </p:cNvSpPr>
+          <p:nvPr>
+            <p:ph type="title"/>
+          </p:nvPr>
+        </p:nvSpPr>
+        <p:spPr>
+          <a:xfrm>
+            <a:off x="838200" y="365126"/>
+            <a:ext cx="10515600" cy="957648"/>
+          </a:xfrm>
+        </p:spPr>
+        <p:txBody>
+          <a:bodyPr/>
+          <a:lstStyle/>
+          <a:p>
+            <a:r>
+              <a:rPr lang="zh-CN" altLang="en-US" dirty="0"/>
+              <a:t>新模型测试结果</a:t>
+            </a:r>
+          </a:p>
+        </p:txBody>
+      </p:sp>
+      <p:graphicFrame>
+        <p:nvGraphicFramePr>
+          <p:cNvPr id="7" name="内容占位符 6">
+            <a:extLst>
+              <a:ext uri="{FF2B5EF4-FFF2-40B4-BE49-F238E27FC236}">
+                <a16:creationId xmlns:a16="http://schemas.microsoft.com/office/drawing/2014/main" id="{91AA60A6-D313-4442-BFE4-AA82551050C3}"/>
+              </a:ext>
+            </a:extLst>
+          </p:cNvPr>
+          <p:cNvGraphicFramePr>
+            <a:graphicFrameLocks noGrp="1"/>
+          </p:cNvGraphicFramePr>
+          <p:nvPr>
+            <p:ph idx="1"/>
+            <p:extLst/>
+          </p:nvPr>
+        </p:nvGraphicFramePr>
+        <p:xfrm>
+          <a:off x="838200" y="1411550"/>
+          <a:ext cx="10515600" cy="4765413"/>
+        </p:xfrm>
+        <a:graphic>
+          <a:graphicData uri="http://schemas.openxmlformats.org/drawingml/2006/chart">
+            <c:chart xmlns:c="http://schemas.openxmlformats.org/drawingml/2006/chart" xmlns:r="http://schemas.openxmlformats.org/officeDocument/2006/relationships" r:id="rId3"/>
+          </a:graphicData>
+        </a:graphic>
+      </p:graphicFrame>
+    </p:spTree>
+    <p:extLst>
+      <p:ext uri="{BB962C8B-B14F-4D97-AF65-F5344CB8AC3E}">
+        <p14:creationId xmlns:p14="http://schemas.microsoft.com/office/powerpoint/2010/main" val="347937778"/>
       </p:ext>
     </p:extLst>
   </p:cSld>
